--- a/Sprint_2_Demo.pptx
+++ b/Sprint_2_Demo.pptx
@@ -13,8 +13,8 @@
     <p:sldId id="258" r:id="rId4"/>
     <p:sldId id="259" r:id="rId5"/>
     <p:sldId id="260" r:id="rId6"/>
-    <p:sldId id="263" r:id="rId7"/>
-    <p:sldId id="264" r:id="rId8"/>
+    <p:sldId id="267" r:id="rId7"/>
+    <p:sldId id="268" r:id="rId8"/>
     <p:sldId id="265" r:id="rId9"/>
     <p:sldId id="266" r:id="rId10"/>
   </p:sldIdLst>
@@ -125,8 +125,8 @@
             <p14:sldId id="258"/>
             <p14:sldId id="259"/>
             <p14:sldId id="260"/>
-            <p14:sldId id="263"/>
-            <p14:sldId id="264"/>
+            <p14:sldId id="267"/>
+            <p14:sldId id="268"/>
             <p14:sldId id="265"/>
             <p14:sldId id="266"/>
           </p14:sldIdLst>
@@ -3791,16 +3791,6 @@
           </a:p>
           <a:p>
             <a:r>
-              <a:rPr lang="en-US" sz="2400" u="sng" dirty="0" smtClean="0">
-                <a:solidFill>
-                  <a:schemeClr val="tx2"/>
-                </a:solidFill>
-                <a:latin typeface="Times New Roman"/>
-                <a:cs typeface="Times New Roman"/>
-              </a:rPr>
-              <a:t>Mentor</a:t>
-            </a:r>
-            <a:r>
               <a:rPr lang="en-US" sz="2400" dirty="0" smtClean="0">
                 <a:solidFill>
                   <a:schemeClr val="tx2"/>
@@ -3808,7 +3798,7 @@
                 <a:latin typeface="Times New Roman"/>
                 <a:cs typeface="Times New Roman"/>
               </a:rPr>
-              <a:t> </a:t>
+              <a:t>Mentor </a:t>
             </a:r>
           </a:p>
           <a:p>
@@ -3922,7 +3912,7 @@
         <p:spPr>
           <a:xfrm>
             <a:off x="685800" y="564550"/>
-            <a:ext cx="7772400" cy="1037602"/>
+            <a:ext cx="7772400" cy="748191"/>
           </a:xfrm>
         </p:spPr>
         <p:txBody>
@@ -3954,7 +3944,7 @@
         <p:spPr>
           <a:xfrm>
             <a:off x="428126" y="2354372"/>
-            <a:ext cx="8319862" cy="3139321"/>
+            <a:ext cx="8319862" cy="4385816"/>
           </a:xfrm>
           <a:prstGeom prst="rect">
             <a:avLst/>
@@ -3977,7 +3967,7 @@
                 <a:latin typeface="Times New Roman"/>
                 <a:cs typeface="Times New Roman"/>
               </a:rPr>
-              <a:t>Hardware Domain (Pod) </a:t>
+              <a:t>Pod </a:t>
             </a:r>
             <a:r>
               <a:rPr lang="en-US" dirty="0" smtClean="0">
@@ -4005,7 +3995,60 @@
                 <a:latin typeface="Times New Roman"/>
                 <a:cs typeface="Times New Roman"/>
               </a:rPr>
-              <a:t>: NEU pod, BU pod etc., </a:t>
+              <a:t>: NEU pod, BU pod etc.,</a:t>
+            </a:r>
+          </a:p>
+          <a:p>
+            <a:pPr>
+              <a:lnSpc>
+                <a:spcPct val="150000"/>
+              </a:lnSpc>
+            </a:pPr>
+            <a:endParaRPr lang="en-US" dirty="0">
+              <a:latin typeface="Times New Roman"/>
+              <a:cs typeface="Times New Roman"/>
+            </a:endParaRPr>
+          </a:p>
+          <a:p>
+            <a:pPr>
+              <a:lnSpc>
+                <a:spcPct val="150000"/>
+              </a:lnSpc>
+            </a:pPr>
+            <a:r>
+              <a:rPr lang="en-US" b="1" dirty="0" smtClean="0">
+                <a:latin typeface="Times New Roman"/>
+                <a:cs typeface="Times New Roman"/>
+              </a:rPr>
+              <a:t>Hardware Domain</a:t>
+            </a:r>
+            <a:r>
+              <a:rPr lang="en-US" dirty="0" smtClean="0">
+                <a:latin typeface="Times New Roman"/>
+                <a:cs typeface="Times New Roman"/>
+              </a:rPr>
+              <a:t> : A collection of pods</a:t>
+            </a:r>
+          </a:p>
+          <a:p>
+            <a:pPr>
+              <a:lnSpc>
+                <a:spcPct val="150000"/>
+              </a:lnSpc>
+            </a:pPr>
+            <a:r>
+              <a:rPr lang="en-US" dirty="0" err="1" smtClean="0">
+                <a:latin typeface="Times New Roman"/>
+                <a:cs typeface="Times New Roman"/>
+              </a:rPr>
+              <a:t>Eg</a:t>
+            </a:r>
+            <a:r>
+              <a:rPr lang="en-US" dirty="0" smtClean="0">
+                <a:latin typeface="Times New Roman"/>
+                <a:cs typeface="Times New Roman"/>
+              </a:rPr>
+              <a:t>: NEU HW domain is a collection of NEU pods</a:t>
             </a:r>
           </a:p>
           <a:p>
@@ -4247,6 +4290,86 @@
                       </p:childTnLst>
                     </p:cTn>
                   </p:par>
+                  <p:par>
+                    <p:cTn id="15" fill="hold">
+                      <p:stCondLst>
+                        <p:cond delay="indefinite"/>
+                      </p:stCondLst>
+                      <p:childTnLst>
+                        <p:par>
+                          <p:cTn id="16" fill="hold">
+                            <p:stCondLst>
+                              <p:cond delay="0"/>
+                            </p:stCondLst>
+                            <p:childTnLst>
+                              <p:par>
+                                <p:cTn id="17" presetID="1" presetClass="entr" presetSubtype="0" fill="hold" nodeType="clickEffect">
+                                  <p:stCondLst>
+                                    <p:cond delay="0"/>
+                                  </p:stCondLst>
+                                  <p:childTnLst>
+                                    <p:set>
+                                      <p:cBhvr>
+                                        <p:cTn id="18" dur="1" fill="hold">
+                                          <p:stCondLst>
+                                            <p:cond delay="0"/>
+                                          </p:stCondLst>
+                                        </p:cTn>
+                                        <p:tgtEl>
+                                          <p:spTgt spid="4">
+                                            <p:txEl>
+                                              <p:pRg st="6" end="6"/>
+                                            </p:txEl>
+                                          </p:spTgt>
+                                        </p:tgtEl>
+                                        <p:attrNameLst>
+                                          <p:attrName>style.visibility</p:attrName>
+                                        </p:attrNameLst>
+                                      </p:cBhvr>
+                                      <p:to>
+                                        <p:strVal val="visible"/>
+                                      </p:to>
+                                    </p:set>
+                                  </p:childTnLst>
+                                </p:cTn>
+                              </p:par>
+                              <p:par>
+                                <p:cTn id="19" presetID="1" presetClass="entr" presetSubtype="0" fill="hold" nodeType="withEffect">
+                                  <p:stCondLst>
+                                    <p:cond delay="0"/>
+                                  </p:stCondLst>
+                                  <p:childTnLst>
+                                    <p:set>
+                                      <p:cBhvr>
+                                        <p:cTn id="20" dur="1" fill="hold">
+                                          <p:stCondLst>
+                                            <p:cond delay="0"/>
+                                          </p:stCondLst>
+                                        </p:cTn>
+                                        <p:tgtEl>
+                                          <p:spTgt spid="4">
+                                            <p:txEl>
+                                              <p:pRg st="7" end="7"/>
+                                            </p:txEl>
+                                          </p:spTgt>
+                                        </p:tgtEl>
+                                        <p:attrNameLst>
+                                          <p:attrName>style.visibility</p:attrName>
+                                        </p:attrNameLst>
+                                      </p:cBhvr>
+                                      <p:to>
+                                        <p:strVal val="visible"/>
+                                      </p:to>
+                                    </p:set>
+                                  </p:childTnLst>
+                                </p:cTn>
+                              </p:par>
+                            </p:childTnLst>
+                          </p:cTn>
+                        </p:par>
+                      </p:childTnLst>
+                    </p:cTn>
+                  </p:par>
                 </p:childTnLst>
               </p:cTn>
               <p:prevCondLst>
@@ -5429,8 +5552,8 @@
         </p:nvSpPr>
         <p:spPr>
           <a:xfrm>
-            <a:off x="1727106" y="604132"/>
-            <a:ext cx="5400174" cy="707886"/>
+            <a:off x="1306185" y="447174"/>
+            <a:ext cx="6651061" cy="707886"/>
           </a:xfrm>
           <a:prstGeom prst="rect">
             <a:avLst/>
@@ -5449,7 +5572,7 @@
                 <a:latin typeface="Times New Roman"/>
                 <a:cs typeface="Times New Roman"/>
               </a:rPr>
-              <a:t>Hardware Domain</a:t>
+              <a:t>A Single Hardware Domain</a:t>
             </a:r>
             <a:endParaRPr lang="en-US" sz="4000" b="1" dirty="0">
               <a:latin typeface="Times New Roman"/>
@@ -6426,14 +6549,14 @@
                 <a:latin typeface="Times New Roman"/>
                 <a:cs typeface="Times New Roman"/>
               </a:rPr>
-              <a:t>problem of expanding across multiple pods (hardware domains) in </a:t>
+              <a:t>problem of expanding across </a:t>
             </a:r>
             <a:r>
               <a:rPr lang="en-US" sz="2400" b="1" dirty="0" smtClean="0">
                 <a:latin typeface="Times New Roman"/>
                 <a:cs typeface="Times New Roman"/>
               </a:rPr>
-              <a:t>MOC for the IaaS providers</a:t>
+              <a:t>multiple hardware domains for tenants in MOC</a:t>
             </a:r>
           </a:p>
           <a:p>
@@ -6483,14 +6606,14 @@
       </p:grpSpPr>
       <p:sp>
         <p:nvSpPr>
-          <p:cNvPr id="72" name="Rounded Rectangle 71"/>
+          <p:cNvPr id="71" name="Rounded Rectangle 70"/>
           <p:cNvSpPr/>
           <p:nvPr/>
         </p:nvSpPr>
         <p:spPr>
           <a:xfrm>
-            <a:off x="5194247" y="1620042"/>
-            <a:ext cx="3539153" cy="4137987"/>
+            <a:off x="404510" y="2325834"/>
+            <a:ext cx="2947352" cy="3432194"/>
           </a:xfrm>
           <a:prstGeom prst="roundRect">
             <a:avLst/>
@@ -6522,31 +6645,24 @@
           <a:lstStyle/>
           <a:p>
             <a:pPr algn="ctr"/>
-            <a:endParaRPr lang="en-US"/>
-          </a:p>
-        </p:txBody>
-      </p:sp>
-      <p:sp>
-        <p:nvSpPr>
-          <p:cNvPr id="71" name="Rounded Rectangle 70"/>
+            <a:endParaRPr lang="en-US" dirty="0"/>
+          </a:p>
+        </p:txBody>
+      </p:sp>
+      <p:sp>
+        <p:nvSpPr>
+          <p:cNvPr id="4" name="Rounded Rectangle 3"/>
           <p:cNvSpPr/>
           <p:nvPr/>
         </p:nvSpPr>
         <p:spPr>
           <a:xfrm>
-            <a:off x="404509" y="1620042"/>
-            <a:ext cx="3539153" cy="4137987"/>
+            <a:off x="1042859" y="2490446"/>
+            <a:ext cx="1497445" cy="337138"/>
           </a:xfrm>
           <a:prstGeom prst="roundRect">
             <a:avLst/>
           </a:prstGeom>
-          <a:solidFill>
-            <a:schemeClr val="tx2">
-              <a:lumMod val="40000"/>
-              <a:lumOff val="60000"/>
-              <a:alpha val="15000"/>
-            </a:schemeClr>
-          </a:solidFill>
         </p:spPr>
         <p:style>
           <a:lnRef idx="1">
@@ -6567,44 +6683,6 @@
           <a:lstStyle/>
           <a:p>
             <a:pPr algn="ctr"/>
-            <a:endParaRPr lang="en-US"/>
-          </a:p>
-        </p:txBody>
-      </p:sp>
-      <p:sp>
-        <p:nvSpPr>
-          <p:cNvPr id="4" name="Rounded Rectangle 3"/>
-          <p:cNvSpPr/>
-          <p:nvPr/>
-        </p:nvSpPr>
-        <p:spPr>
-          <a:xfrm>
-            <a:off x="1065765" y="2119454"/>
-            <a:ext cx="1798118" cy="370992"/>
-          </a:xfrm>
-          <a:prstGeom prst="roundRect">
-            <a:avLst/>
-          </a:prstGeom>
-        </p:spPr>
-        <p:style>
-          <a:lnRef idx="1">
-            <a:schemeClr val="accent1"/>
-          </a:lnRef>
-          <a:fillRef idx="3">
-            <a:schemeClr val="accent1"/>
-          </a:fillRef>
-          <a:effectRef idx="2">
-            <a:schemeClr val="accent1"/>
-          </a:effectRef>
-          <a:fontRef idx="minor">
-            <a:schemeClr val="lt1"/>
-          </a:fontRef>
-        </p:style>
-        <p:txBody>
-          <a:bodyPr rtlCol="0" anchor="ctr"/>
-          <a:lstStyle/>
-          <a:p>
-            <a:pPr algn="ctr"/>
             <a:r>
               <a:rPr lang="en-US" dirty="0" smtClean="0"/>
               <a:t>OVX 1</a:t>
@@ -6615,56 +6693,14 @@
       </p:sp>
       <p:sp>
         <p:nvSpPr>
-          <p:cNvPr id="5" name="Rounded Rectangle 4"/>
-          <p:cNvSpPr/>
-          <p:nvPr/>
-        </p:nvSpPr>
-        <p:spPr>
-          <a:xfrm>
-            <a:off x="6180347" y="2134912"/>
-            <a:ext cx="1798118" cy="370992"/>
-          </a:xfrm>
-          <a:prstGeom prst="roundRect">
-            <a:avLst/>
-          </a:prstGeom>
-        </p:spPr>
-        <p:style>
-          <a:lnRef idx="1">
-            <a:schemeClr val="accent1"/>
-          </a:lnRef>
-          <a:fillRef idx="3">
-            <a:schemeClr val="accent1"/>
-          </a:fillRef>
-          <a:effectRef idx="2">
-            <a:schemeClr val="accent1"/>
-          </a:effectRef>
-          <a:fontRef idx="minor">
-            <a:schemeClr val="lt1"/>
-          </a:fontRef>
-        </p:style>
-        <p:txBody>
-          <a:bodyPr rtlCol="0" anchor="ctr"/>
-          <a:lstStyle/>
-          <a:p>
-            <a:pPr algn="ctr"/>
-            <a:r>
-              <a:rPr lang="en-US" dirty="0" smtClean="0"/>
-              <a:t>OVX 2</a:t>
-            </a:r>
-            <a:endParaRPr lang="en-US" dirty="0"/>
-          </a:p>
-        </p:txBody>
-      </p:sp>
-      <p:sp>
-        <p:nvSpPr>
           <p:cNvPr id="6" name="Rounded Rectangle 5"/>
           <p:cNvSpPr/>
           <p:nvPr/>
         </p:nvSpPr>
         <p:spPr>
           <a:xfrm>
-            <a:off x="608565" y="3289506"/>
-            <a:ext cx="914400" cy="556488"/>
+            <a:off x="585660" y="3677425"/>
+            <a:ext cx="761498" cy="441300"/>
           </a:xfrm>
           <a:prstGeom prst="roundRect">
             <a:avLst/>
@@ -6701,102 +6737,14 @@
       </p:sp>
       <p:sp>
         <p:nvSpPr>
-          <p:cNvPr id="18" name="Rounded Rectangle 17"/>
-          <p:cNvSpPr/>
-          <p:nvPr/>
-        </p:nvSpPr>
-        <p:spPr>
-          <a:xfrm>
-            <a:off x="7521265" y="3169211"/>
-            <a:ext cx="914400" cy="630013"/>
-          </a:xfrm>
-          <a:prstGeom prst="roundRect">
-            <a:avLst/>
-          </a:prstGeom>
-          <a:noFill/>
-          <a:ln>
-            <a:solidFill>
-              <a:schemeClr val="tx1"/>
-            </a:solidFill>
-          </a:ln>
-        </p:spPr>
-        <p:style>
-          <a:lnRef idx="1">
-            <a:schemeClr val="accent1"/>
-          </a:lnRef>
-          <a:fillRef idx="3">
-            <a:schemeClr val="accent1"/>
-          </a:fillRef>
-          <a:effectRef idx="2">
-            <a:schemeClr val="accent1"/>
-          </a:effectRef>
-          <a:fontRef idx="minor">
-            <a:schemeClr val="lt1"/>
-          </a:fontRef>
-        </p:style>
-        <p:txBody>
-          <a:bodyPr rtlCol="0" anchor="ctr"/>
-          <a:lstStyle/>
-          <a:p>
-            <a:pPr algn="ctr"/>
-            <a:endParaRPr lang="en-US"/>
-          </a:p>
-        </p:txBody>
-      </p:sp>
-      <p:sp>
-        <p:nvSpPr>
-          <p:cNvPr id="19" name="Rounded Rectangle 18"/>
-          <p:cNvSpPr/>
-          <p:nvPr/>
-        </p:nvSpPr>
-        <p:spPr>
-          <a:xfrm>
-            <a:off x="5742128" y="3184669"/>
-            <a:ext cx="935489" cy="598106"/>
-          </a:xfrm>
-          <a:prstGeom prst="roundRect">
-            <a:avLst/>
-          </a:prstGeom>
-          <a:noFill/>
-          <a:ln>
-            <a:solidFill>
-              <a:schemeClr val="tx1"/>
-            </a:solidFill>
-          </a:ln>
-        </p:spPr>
-        <p:style>
-          <a:lnRef idx="1">
-            <a:schemeClr val="accent1"/>
-          </a:lnRef>
-          <a:fillRef idx="3">
-            <a:schemeClr val="accent1"/>
-          </a:fillRef>
-          <a:effectRef idx="2">
-            <a:schemeClr val="accent1"/>
-          </a:effectRef>
-          <a:fontRef idx="minor">
-            <a:schemeClr val="lt1"/>
-          </a:fontRef>
-        </p:style>
-        <p:txBody>
-          <a:bodyPr rtlCol="0" anchor="ctr"/>
-          <a:lstStyle/>
-          <a:p>
-            <a:pPr algn="ctr"/>
-            <a:endParaRPr lang="en-US"/>
-          </a:p>
-        </p:txBody>
-      </p:sp>
-      <p:sp>
-        <p:nvSpPr>
           <p:cNvPr id="20" name="Rounded Rectangle 19"/>
           <p:cNvSpPr/>
           <p:nvPr/>
         </p:nvSpPr>
         <p:spPr>
           <a:xfrm>
-            <a:off x="2366613" y="3263346"/>
-            <a:ext cx="914400" cy="598106"/>
+            <a:off x="2343708" y="3655062"/>
+            <a:ext cx="761498" cy="449609"/>
           </a:xfrm>
           <a:prstGeom prst="roundRect">
             <a:avLst/>
@@ -6842,45 +6790,8 @@
         </p:nvCxnSpPr>
         <p:spPr>
           <a:xfrm flipV="1">
-            <a:off x="1522965" y="3562399"/>
-            <a:ext cx="843648" cy="5351"/>
-          </a:xfrm>
-          <a:prstGeom prst="straightConnector1">
-            <a:avLst/>
-          </a:prstGeom>
-          <a:ln>
-            <a:solidFill>
-              <a:schemeClr val="tx1"/>
-            </a:solidFill>
-            <a:headEnd type="arrow"/>
-            <a:tailEnd type="arrow"/>
-          </a:ln>
-        </p:spPr>
-        <p:style>
-          <a:lnRef idx="2">
-            <a:schemeClr val="accent1"/>
-          </a:lnRef>
-          <a:fillRef idx="0">
-            <a:schemeClr val="accent1"/>
-          </a:fillRef>
-          <a:effectRef idx="1">
-            <a:schemeClr val="accent1"/>
-          </a:effectRef>
-          <a:fontRef idx="minor">
-            <a:schemeClr val="tx1"/>
-          </a:fontRef>
-        </p:style>
-      </p:cxnSp>
-      <p:cxnSp>
-        <p:nvCxnSpPr>
-          <p:cNvPr id="23" name="Straight Arrow Connector 22"/>
-          <p:cNvCxnSpPr/>
-          <p:nvPr/>
-        </p:nvCxnSpPr>
-        <p:spPr>
-          <a:xfrm flipV="1">
-            <a:off x="6677617" y="3510278"/>
-            <a:ext cx="843648" cy="5351"/>
+            <a:off x="1347158" y="3879867"/>
+            <a:ext cx="996550" cy="18208"/>
           </a:xfrm>
           <a:prstGeom prst="straightConnector1">
             <a:avLst/>
@@ -6918,8 +6829,8 @@
         </p:nvCxnSpPr>
         <p:spPr>
           <a:xfrm flipV="1">
-            <a:off x="1065765" y="2490446"/>
-            <a:ext cx="457200" cy="799060"/>
+            <a:off x="966409" y="2827585"/>
+            <a:ext cx="533650" cy="849840"/>
           </a:xfrm>
           <a:prstGeom prst="straightConnector1">
             <a:avLst/>
@@ -6957,8 +6868,8 @@
         </p:nvCxnSpPr>
         <p:spPr>
           <a:xfrm>
-            <a:off x="2221698" y="2490446"/>
-            <a:ext cx="602115" cy="772900"/>
+            <a:off x="2198792" y="2827584"/>
+            <a:ext cx="525665" cy="827478"/>
           </a:xfrm>
           <a:prstGeom prst="straightConnector1">
             <a:avLst/>
@@ -6986,84 +6897,6 @@
           </a:fontRef>
         </p:style>
       </p:cxnSp>
-      <p:cxnSp>
-        <p:nvCxnSpPr>
-          <p:cNvPr id="26" name="Straight Arrow Connector 25"/>
-          <p:cNvCxnSpPr>
-            <a:stCxn id="19" idx="0"/>
-          </p:cNvCxnSpPr>
-          <p:nvPr/>
-        </p:nvCxnSpPr>
-        <p:spPr>
-          <a:xfrm flipV="1">
-            <a:off x="6209873" y="2505904"/>
-            <a:ext cx="588696" cy="678765"/>
-          </a:xfrm>
-          <a:prstGeom prst="straightConnector1">
-            <a:avLst/>
-          </a:prstGeom>
-          <a:ln>
-            <a:solidFill>
-              <a:schemeClr val="tx1"/>
-            </a:solidFill>
-            <a:headEnd type="arrow"/>
-            <a:tailEnd type="arrow"/>
-          </a:ln>
-        </p:spPr>
-        <p:style>
-          <a:lnRef idx="2">
-            <a:schemeClr val="accent1"/>
-          </a:lnRef>
-          <a:fillRef idx="0">
-            <a:schemeClr val="accent1"/>
-          </a:fillRef>
-          <a:effectRef idx="1">
-            <a:schemeClr val="accent1"/>
-          </a:effectRef>
-          <a:fontRef idx="minor">
-            <a:schemeClr val="tx1"/>
-          </a:fontRef>
-        </p:style>
-      </p:cxnSp>
-      <p:cxnSp>
-        <p:nvCxnSpPr>
-          <p:cNvPr id="34" name="Straight Arrow Connector 33"/>
-          <p:cNvCxnSpPr>
-            <a:stCxn id="18" idx="0"/>
-          </p:cNvCxnSpPr>
-          <p:nvPr/>
-        </p:nvCxnSpPr>
-        <p:spPr>
-          <a:xfrm flipH="1" flipV="1">
-            <a:off x="7444348" y="2505905"/>
-            <a:ext cx="534117" cy="663306"/>
-          </a:xfrm>
-          <a:prstGeom prst="straightConnector1">
-            <a:avLst/>
-          </a:prstGeom>
-          <a:ln>
-            <a:solidFill>
-              <a:schemeClr val="tx1"/>
-            </a:solidFill>
-            <a:headEnd type="arrow"/>
-            <a:tailEnd type="arrow"/>
-          </a:ln>
-        </p:spPr>
-        <p:style>
-          <a:lnRef idx="2">
-            <a:schemeClr val="accent1"/>
-          </a:lnRef>
-          <a:fillRef idx="0">
-            <a:schemeClr val="accent1"/>
-          </a:fillRef>
-          <a:effectRef idx="1">
-            <a:schemeClr val="accent1"/>
-          </a:effectRef>
-          <a:fontRef idx="minor">
-            <a:schemeClr val="tx1"/>
-          </a:fontRef>
-        </p:style>
-      </p:cxnSp>
       <p:sp>
         <p:nvSpPr>
           <p:cNvPr id="36" name="Rectangle 35"/>
@@ -7072,8 +6905,8 @@
         </p:nvSpPr>
         <p:spPr>
           <a:xfrm>
-            <a:off x="608565" y="4659322"/>
-            <a:ext cx="756351" cy="485144"/>
+            <a:off x="576020" y="4943696"/>
+            <a:ext cx="548640" cy="448056"/>
           </a:xfrm>
           <a:prstGeom prst="rect">
             <a:avLst/>
@@ -7118,8 +6951,8 @@
         </p:nvSpPr>
         <p:spPr>
           <a:xfrm>
-            <a:off x="1988437" y="4659322"/>
-            <a:ext cx="756351" cy="485144"/>
+            <a:off x="2047734" y="4950879"/>
+            <a:ext cx="547674" cy="440873"/>
           </a:xfrm>
           <a:prstGeom prst="rect">
             <a:avLst/>
@@ -7164,8 +6997,8 @@
         </p:nvSpPr>
         <p:spPr>
           <a:xfrm>
-            <a:off x="3010403" y="4659322"/>
-            <a:ext cx="756351" cy="485144"/>
+            <a:off x="2699079" y="4950879"/>
+            <a:ext cx="519731" cy="440873"/>
           </a:xfrm>
           <a:prstGeom prst="rect">
             <a:avLst/>
@@ -7202,147 +7035,6 @@
           </a:p>
         </p:txBody>
       </p:sp>
-      <p:sp>
-        <p:nvSpPr>
-          <p:cNvPr id="39" name="Rectangle 38"/>
-          <p:cNvSpPr/>
-          <p:nvPr/>
-        </p:nvSpPr>
-        <p:spPr>
-          <a:xfrm>
-            <a:off x="6299441" y="4613741"/>
-            <a:ext cx="756351" cy="485144"/>
-          </a:xfrm>
-          <a:prstGeom prst="rect">
-            <a:avLst/>
-          </a:prstGeom>
-          <a:solidFill>
-            <a:schemeClr val="accent1">
-              <a:lumMod val="40000"/>
-              <a:lumOff val="60000"/>
-            </a:schemeClr>
-          </a:solidFill>
-          <a:ln>
-            <a:solidFill>
-              <a:schemeClr val="tx1"/>
-            </a:solidFill>
-          </a:ln>
-        </p:spPr>
-        <p:style>
-          <a:lnRef idx="1">
-            <a:schemeClr val="accent1"/>
-          </a:lnRef>
-          <a:fillRef idx="3">
-            <a:schemeClr val="accent1"/>
-          </a:fillRef>
-          <a:effectRef idx="2">
-            <a:schemeClr val="accent1"/>
-          </a:effectRef>
-          <a:fontRef idx="minor">
-            <a:schemeClr val="lt1"/>
-          </a:fontRef>
-        </p:style>
-        <p:txBody>
-          <a:bodyPr rtlCol="0" anchor="ctr"/>
-          <a:lstStyle/>
-          <a:p>
-            <a:pPr algn="ctr"/>
-            <a:endParaRPr lang="en-US"/>
-          </a:p>
-        </p:txBody>
-      </p:sp>
-      <p:sp>
-        <p:nvSpPr>
-          <p:cNvPr id="40" name="Rectangle 39"/>
-          <p:cNvSpPr/>
-          <p:nvPr/>
-        </p:nvSpPr>
-        <p:spPr>
-          <a:xfrm>
-            <a:off x="7746089" y="4613741"/>
-            <a:ext cx="756351" cy="485144"/>
-          </a:xfrm>
-          <a:prstGeom prst="rect">
-            <a:avLst/>
-          </a:prstGeom>
-          <a:solidFill>
-            <a:srgbClr val="B9CDE5"/>
-          </a:solidFill>
-          <a:ln>
-            <a:solidFill>
-              <a:schemeClr val="tx1"/>
-            </a:solidFill>
-          </a:ln>
-        </p:spPr>
-        <p:style>
-          <a:lnRef idx="1">
-            <a:schemeClr val="accent1"/>
-          </a:lnRef>
-          <a:fillRef idx="3">
-            <a:schemeClr val="accent1"/>
-          </a:fillRef>
-          <a:effectRef idx="2">
-            <a:schemeClr val="accent1"/>
-          </a:effectRef>
-          <a:fontRef idx="minor">
-            <a:schemeClr val="lt1"/>
-          </a:fontRef>
-        </p:style>
-        <p:txBody>
-          <a:bodyPr rtlCol="0" anchor="ctr"/>
-          <a:lstStyle/>
-          <a:p>
-            <a:pPr algn="ctr"/>
-            <a:endParaRPr lang="en-US"/>
-          </a:p>
-        </p:txBody>
-      </p:sp>
-      <p:sp>
-        <p:nvSpPr>
-          <p:cNvPr id="41" name="Rectangle 40"/>
-          <p:cNvSpPr/>
-          <p:nvPr/>
-        </p:nvSpPr>
-        <p:spPr>
-          <a:xfrm>
-            <a:off x="5363952" y="4612552"/>
-            <a:ext cx="756351" cy="485144"/>
-          </a:xfrm>
-          <a:prstGeom prst="rect">
-            <a:avLst/>
-          </a:prstGeom>
-          <a:solidFill>
-            <a:srgbClr val="C3D69B"/>
-          </a:solidFill>
-          <a:ln>
-            <a:solidFill>
-              <a:schemeClr val="tx1"/>
-            </a:solidFill>
-          </a:ln>
-        </p:spPr>
-        <p:style>
-          <a:lnRef idx="1">
-            <a:schemeClr val="accent1"/>
-          </a:lnRef>
-          <a:fillRef idx="3">
-            <a:schemeClr val="accent1"/>
-          </a:fillRef>
-          <a:effectRef idx="2">
-            <a:schemeClr val="accent1"/>
-          </a:effectRef>
-          <a:fontRef idx="minor">
-            <a:schemeClr val="lt1"/>
-          </a:fontRef>
-        </p:style>
-        <p:txBody>
-          <a:bodyPr rtlCol="0" anchor="ctr"/>
-          <a:lstStyle/>
-          <a:p>
-            <a:pPr algn="ctr"/>
-            <a:endParaRPr lang="en-US"/>
-          </a:p>
-        </p:txBody>
-      </p:sp>
       <p:cxnSp>
         <p:nvCxnSpPr>
           <p:cNvPr id="44" name="Straight Arrow Connector 43"/>
@@ -7352,46 +7044,9 @@
           <p:nvPr/>
         </p:nvCxnSpPr>
         <p:spPr>
-          <a:xfrm>
-            <a:off x="986741" y="3828356"/>
-            <a:ext cx="0" cy="830966"/>
-          </a:xfrm>
-          <a:prstGeom prst="straightConnector1">
-            <a:avLst/>
-          </a:prstGeom>
-          <a:ln>
-            <a:solidFill>
-              <a:schemeClr val="tx1"/>
-            </a:solidFill>
-            <a:headEnd type="arrow"/>
-            <a:tailEnd type="arrow"/>
-          </a:ln>
-        </p:spPr>
-        <p:style>
-          <a:lnRef idx="2">
-            <a:schemeClr val="accent1"/>
-          </a:lnRef>
-          <a:fillRef idx="0">
-            <a:schemeClr val="accent1"/>
-          </a:fillRef>
-          <a:effectRef idx="1">
-            <a:schemeClr val="accent1"/>
-          </a:effectRef>
-          <a:fontRef idx="minor">
-            <a:schemeClr val="tx1"/>
-          </a:fontRef>
-        </p:style>
-      </p:cxnSp>
-      <p:cxnSp>
-        <p:nvCxnSpPr>
-          <p:cNvPr id="45" name="Straight Arrow Connector 44"/>
-          <p:cNvCxnSpPr/>
-          <p:nvPr/>
-        </p:nvCxnSpPr>
-        <p:spPr>
-          <a:xfrm>
-            <a:off x="8106902" y="3781586"/>
-            <a:ext cx="0" cy="830966"/>
+          <a:xfrm flipH="1">
+            <a:off x="850340" y="4068460"/>
+            <a:ext cx="103858" cy="875236"/>
           </a:xfrm>
           <a:prstGeom prst="straightConnector1">
             <a:avLst/>
@@ -7423,14 +7078,15 @@
         <p:nvCxnSpPr>
           <p:cNvPr id="47" name="Straight Arrow Connector 46"/>
           <p:cNvCxnSpPr>
+            <a:stCxn id="20" idx="2"/>
             <a:endCxn id="38" idx="0"/>
           </p:cNvCxnSpPr>
           <p:nvPr/>
         </p:nvCxnSpPr>
         <p:spPr>
           <a:xfrm>
-            <a:off x="2979955" y="3828356"/>
-            <a:ext cx="408624" cy="830966"/>
+            <a:off x="2724457" y="4104671"/>
+            <a:ext cx="234488" cy="846208"/>
           </a:xfrm>
           <a:prstGeom prst="straightConnector1">
             <a:avLst/>
@@ -7468,8 +7124,8 @@
         </p:nvCxnSpPr>
         <p:spPr>
           <a:xfrm flipH="1">
-            <a:off x="2366613" y="3828356"/>
-            <a:ext cx="270007" cy="830966"/>
+            <a:off x="2321571" y="4075643"/>
+            <a:ext cx="292146" cy="875236"/>
           </a:xfrm>
           <a:prstGeom prst="straightConnector1">
             <a:avLst/>
@@ -7497,84 +7153,6 @@
           </a:fontRef>
         </p:style>
       </p:cxnSp>
-      <p:cxnSp>
-        <p:nvCxnSpPr>
-          <p:cNvPr id="49" name="Straight Arrow Connector 48"/>
-          <p:cNvCxnSpPr>
-            <a:endCxn id="41" idx="0"/>
-          </p:cNvCxnSpPr>
-          <p:nvPr/>
-        </p:nvCxnSpPr>
-        <p:spPr>
-          <a:xfrm flipH="1">
-            <a:off x="5742128" y="3781586"/>
-            <a:ext cx="282092" cy="830966"/>
-          </a:xfrm>
-          <a:prstGeom prst="straightConnector1">
-            <a:avLst/>
-          </a:prstGeom>
-          <a:ln>
-            <a:solidFill>
-              <a:schemeClr val="tx1"/>
-            </a:solidFill>
-            <a:headEnd type="arrow"/>
-            <a:tailEnd type="arrow"/>
-          </a:ln>
-        </p:spPr>
-        <p:style>
-          <a:lnRef idx="2">
-            <a:schemeClr val="accent1"/>
-          </a:lnRef>
-          <a:fillRef idx="0">
-            <a:schemeClr val="accent1"/>
-          </a:fillRef>
-          <a:effectRef idx="1">
-            <a:schemeClr val="accent1"/>
-          </a:effectRef>
-          <a:fontRef idx="minor">
-            <a:schemeClr val="tx1"/>
-          </a:fontRef>
-        </p:style>
-      </p:cxnSp>
-      <p:cxnSp>
-        <p:nvCxnSpPr>
-          <p:cNvPr id="50" name="Straight Arrow Connector 49"/>
-          <p:cNvCxnSpPr>
-            <a:endCxn id="39" idx="0"/>
-          </p:cNvCxnSpPr>
-          <p:nvPr/>
-        </p:nvCxnSpPr>
-        <p:spPr>
-          <a:xfrm>
-            <a:off x="6273688" y="3781586"/>
-            <a:ext cx="403929" cy="832155"/>
-          </a:xfrm>
-          <a:prstGeom prst="straightConnector1">
-            <a:avLst/>
-          </a:prstGeom>
-          <a:ln>
-            <a:solidFill>
-              <a:schemeClr val="tx1"/>
-            </a:solidFill>
-            <a:headEnd type="arrow"/>
-            <a:tailEnd type="arrow"/>
-          </a:ln>
-        </p:spPr>
-        <p:style>
-          <a:lnRef idx="2">
-            <a:schemeClr val="accent1"/>
-          </a:lnRef>
-          <a:fillRef idx="0">
-            <a:schemeClr val="accent1"/>
-          </a:fillRef>
-          <a:effectRef idx="1">
-            <a:schemeClr val="accent1"/>
-          </a:effectRef>
-          <a:fontRef idx="minor">
-            <a:schemeClr val="tx1"/>
-          </a:fontRef>
-        </p:style>
-      </p:cxnSp>
       <p:sp>
         <p:nvSpPr>
           <p:cNvPr id="60" name="TextBox 59"/>
@@ -7583,8 +7161,8 @@
         </p:nvSpPr>
         <p:spPr>
           <a:xfrm>
-            <a:off x="775272" y="4741047"/>
-            <a:ext cx="422937" cy="369332"/>
+            <a:off x="621740" y="5007200"/>
+            <a:ext cx="457200" cy="369332"/>
           </a:xfrm>
           <a:prstGeom prst="rect">
             <a:avLst/>
@@ -7592,7 +7170,7 @@
           <a:noFill/>
         </p:spPr>
         <p:txBody>
-          <a:bodyPr wrap="none" rtlCol="0">
+          <a:bodyPr wrap="square" rtlCol="0">
             <a:spAutoFit/>
           </a:bodyPr>
           <a:lstStyle/>
@@ -7613,8 +7191,8 @@
         </p:nvSpPr>
         <p:spPr>
           <a:xfrm>
-            <a:off x="2155144" y="4712150"/>
-            <a:ext cx="422937" cy="369332"/>
+            <a:off x="2088835" y="5016589"/>
+            <a:ext cx="465472" cy="369332"/>
           </a:xfrm>
           <a:prstGeom prst="rect">
             <a:avLst/>
@@ -7622,7 +7200,7 @@
           <a:noFill/>
         </p:spPr>
         <p:txBody>
-          <a:bodyPr wrap="none" rtlCol="0">
+          <a:bodyPr wrap="square" rtlCol="0">
             <a:spAutoFit/>
           </a:bodyPr>
           <a:lstStyle/>
@@ -7643,8 +7221,8 @@
         </p:nvSpPr>
         <p:spPr>
           <a:xfrm>
-            <a:off x="3177110" y="4712150"/>
-            <a:ext cx="422937" cy="369332"/>
+            <a:off x="2745237" y="5022420"/>
+            <a:ext cx="451001" cy="369332"/>
           </a:xfrm>
           <a:prstGeom prst="rect">
             <a:avLst/>
@@ -7652,7 +7230,7 @@
           <a:noFill/>
         </p:spPr>
         <p:txBody>
-          <a:bodyPr wrap="none" rtlCol="0">
+          <a:bodyPr wrap="square" rtlCol="0">
             <a:spAutoFit/>
           </a:bodyPr>
           <a:lstStyle/>
@@ -7667,14 +7245,14 @@
       </p:sp>
       <p:sp>
         <p:nvSpPr>
-          <p:cNvPr id="63" name="TextBox 62"/>
+          <p:cNvPr id="66" name="TextBox 65"/>
           <p:cNvSpPr txBox="1"/>
           <p:nvPr/>
         </p:nvSpPr>
         <p:spPr>
           <a:xfrm>
-            <a:off x="5548206" y="4665380"/>
-            <a:ext cx="422937" cy="369332"/>
+            <a:off x="639628" y="3735339"/>
+            <a:ext cx="618228" cy="369332"/>
           </a:xfrm>
           <a:prstGeom prst="rect">
             <a:avLst/>
@@ -7682,14 +7260,14 @@
           <a:noFill/>
         </p:spPr>
         <p:txBody>
-          <a:bodyPr wrap="none" rtlCol="0">
+          <a:bodyPr wrap="square" rtlCol="0">
             <a:spAutoFit/>
           </a:bodyPr>
           <a:lstStyle/>
           <a:p>
             <a:r>
               <a:rPr lang="en-US" dirty="0" smtClean="0"/>
-              <a:t>h1</a:t>
+              <a:t>SW1</a:t>
             </a:r>
             <a:endParaRPr lang="en-US" dirty="0"/>
           </a:p>
@@ -7697,14 +7275,14 @@
       </p:sp>
       <p:sp>
         <p:nvSpPr>
-          <p:cNvPr id="64" name="TextBox 63"/>
+          <p:cNvPr id="67" name="TextBox 66"/>
           <p:cNvSpPr txBox="1"/>
           <p:nvPr/>
         </p:nvSpPr>
         <p:spPr>
           <a:xfrm>
-            <a:off x="6466148" y="4674100"/>
-            <a:ext cx="422937" cy="369332"/>
+            <a:off x="2429031" y="3708783"/>
+            <a:ext cx="724443" cy="369332"/>
           </a:xfrm>
           <a:prstGeom prst="rect">
             <a:avLst/>
@@ -7712,163 +7290,13 @@
           <a:noFill/>
         </p:spPr>
         <p:txBody>
-          <a:bodyPr wrap="none" rtlCol="0">
+          <a:bodyPr wrap="square" rtlCol="0">
             <a:spAutoFit/>
           </a:bodyPr>
           <a:lstStyle/>
           <a:p>
             <a:r>
               <a:rPr lang="en-US" dirty="0" smtClean="0"/>
-              <a:t>h2</a:t>
-            </a:r>
-            <a:endParaRPr lang="en-US" dirty="0"/>
-          </a:p>
-        </p:txBody>
-      </p:sp>
-      <p:sp>
-        <p:nvSpPr>
-          <p:cNvPr id="65" name="TextBox 64"/>
-          <p:cNvSpPr txBox="1"/>
-          <p:nvPr/>
-        </p:nvSpPr>
-        <p:spPr>
-          <a:xfrm>
-            <a:off x="7942253" y="4665380"/>
-            <a:ext cx="422937" cy="369332"/>
-          </a:xfrm>
-          <a:prstGeom prst="rect">
-            <a:avLst/>
-          </a:prstGeom>
-          <a:noFill/>
-        </p:spPr>
-        <p:txBody>
-          <a:bodyPr wrap="none" rtlCol="0">
-            <a:spAutoFit/>
-          </a:bodyPr>
-          <a:lstStyle/>
-          <a:p>
-            <a:r>
-              <a:rPr lang="en-US" dirty="0" smtClean="0"/>
-              <a:t>h3</a:t>
-            </a:r>
-            <a:endParaRPr lang="en-US" dirty="0"/>
-          </a:p>
-        </p:txBody>
-      </p:sp>
-      <p:sp>
-        <p:nvSpPr>
-          <p:cNvPr id="66" name="TextBox 65"/>
-          <p:cNvSpPr txBox="1"/>
-          <p:nvPr/>
-        </p:nvSpPr>
-        <p:spPr>
-          <a:xfrm>
-            <a:off x="751835" y="3383084"/>
-            <a:ext cx="613081" cy="369332"/>
-          </a:xfrm>
-          <a:prstGeom prst="rect">
-            <a:avLst/>
-          </a:prstGeom>
-          <a:noFill/>
-        </p:spPr>
-        <p:txBody>
-          <a:bodyPr wrap="none" rtlCol="0">
-            <a:spAutoFit/>
-          </a:bodyPr>
-          <a:lstStyle/>
-          <a:p>
-            <a:r>
-              <a:rPr lang="en-US" dirty="0" smtClean="0"/>
-              <a:t>SW1</a:t>
-            </a:r>
-            <a:endParaRPr lang="en-US" dirty="0"/>
-          </a:p>
-        </p:txBody>
-      </p:sp>
-      <p:sp>
-        <p:nvSpPr>
-          <p:cNvPr id="67" name="TextBox 66"/>
-          <p:cNvSpPr txBox="1"/>
-          <p:nvPr/>
-        </p:nvSpPr>
-        <p:spPr>
-          <a:xfrm>
-            <a:off x="2517272" y="3383084"/>
-            <a:ext cx="613081" cy="369332"/>
-          </a:xfrm>
-          <a:prstGeom prst="rect">
-            <a:avLst/>
-          </a:prstGeom>
-          <a:noFill/>
-        </p:spPr>
-        <p:txBody>
-          <a:bodyPr wrap="none" rtlCol="0">
-            <a:spAutoFit/>
-          </a:bodyPr>
-          <a:lstStyle/>
-          <a:p>
-            <a:r>
-              <a:rPr lang="en-US" dirty="0" smtClean="0"/>
-              <a:t>SW2</a:t>
-            </a:r>
-            <a:endParaRPr lang="en-US" dirty="0"/>
-          </a:p>
-        </p:txBody>
-      </p:sp>
-      <p:sp>
-        <p:nvSpPr>
-          <p:cNvPr id="68" name="TextBox 67"/>
-          <p:cNvSpPr txBox="1"/>
-          <p:nvPr/>
-        </p:nvSpPr>
-        <p:spPr>
-          <a:xfrm>
-            <a:off x="5903332" y="3281145"/>
-            <a:ext cx="613081" cy="369332"/>
-          </a:xfrm>
-          <a:prstGeom prst="rect">
-            <a:avLst/>
-          </a:prstGeom>
-          <a:noFill/>
-        </p:spPr>
-        <p:txBody>
-          <a:bodyPr wrap="none" rtlCol="0">
-            <a:spAutoFit/>
-          </a:bodyPr>
-          <a:lstStyle/>
-          <a:p>
-            <a:r>
-              <a:rPr lang="en-US" dirty="0" smtClean="0"/>
-              <a:t>SW1</a:t>
-            </a:r>
-            <a:endParaRPr lang="en-US" dirty="0"/>
-          </a:p>
-        </p:txBody>
-      </p:sp>
-      <p:sp>
-        <p:nvSpPr>
-          <p:cNvPr id="69" name="TextBox 68"/>
-          <p:cNvSpPr txBox="1"/>
-          <p:nvPr/>
-        </p:nvSpPr>
-        <p:spPr>
-          <a:xfrm>
-            <a:off x="7671924" y="3281145"/>
-            <a:ext cx="613081" cy="369332"/>
-          </a:xfrm>
-          <a:prstGeom prst="rect">
-            <a:avLst/>
-          </a:prstGeom>
-          <a:noFill/>
-        </p:spPr>
-        <p:txBody>
-          <a:bodyPr wrap="none" rtlCol="0">
-            <a:spAutoFit/>
-          </a:bodyPr>
-          <a:lstStyle/>
-          <a:p>
-            <a:r>
-              <a:rPr lang="en-US" dirty="0" smtClean="0"/>
               <a:t>SW2</a:t>
             </a:r>
             <a:endParaRPr lang="en-US" dirty="0"/>
@@ -7883,8 +7311,8 @@
         </p:nvSpPr>
         <p:spPr>
           <a:xfrm>
-            <a:off x="2863883" y="2119454"/>
-            <a:ext cx="3316464" cy="386451"/>
+            <a:off x="2540304" y="2498990"/>
+            <a:ext cx="3812297" cy="386451"/>
           </a:xfrm>
           <a:prstGeom prst="leftRightArrow">
             <a:avLst/>
@@ -8099,12 +7527,12 @@
         <p:spPr>
           <a:xfrm>
             <a:off x="457200" y="274638"/>
-            <a:ext cx="8229600" cy="1143000"/>
+            <a:ext cx="8229600" cy="581497"/>
           </a:xfrm>
         </p:spPr>
         <p:txBody>
           <a:bodyPr>
-            <a:normAutofit/>
+            <a:normAutofit fontScale="90000"/>
           </a:bodyPr>
           <a:lstStyle/>
           <a:p>
@@ -8122,6 +7550,1052 @@
           </a:p>
         </p:txBody>
       </p:sp>
+      <p:sp>
+        <p:nvSpPr>
+          <p:cNvPr id="88" name="TextBox 87"/>
+          <p:cNvSpPr txBox="1"/>
+          <p:nvPr/>
+        </p:nvSpPr>
+        <p:spPr>
+          <a:xfrm>
+            <a:off x="775661" y="5809111"/>
+            <a:ext cx="2066040" cy="369332"/>
+          </a:xfrm>
+          <a:prstGeom prst="rect">
+            <a:avLst/>
+          </a:prstGeom>
+          <a:noFill/>
+        </p:spPr>
+        <p:txBody>
+          <a:bodyPr wrap="none" rtlCol="0">
+            <a:spAutoFit/>
+          </a:bodyPr>
+          <a:lstStyle/>
+          <a:p>
+            <a:r>
+              <a:rPr lang="en-US" dirty="0" smtClean="0"/>
+              <a:t>Hardware Domain 1</a:t>
+            </a:r>
+            <a:endParaRPr lang="en-US" dirty="0"/>
+          </a:p>
+        </p:txBody>
+      </p:sp>
+      <p:sp>
+        <p:nvSpPr>
+          <p:cNvPr id="89" name="TextBox 88"/>
+          <p:cNvSpPr txBox="1"/>
+          <p:nvPr/>
+        </p:nvSpPr>
+        <p:spPr>
+          <a:xfrm>
+            <a:off x="6203319" y="5809111"/>
+            <a:ext cx="2066040" cy="369332"/>
+          </a:xfrm>
+          <a:prstGeom prst="rect">
+            <a:avLst/>
+          </a:prstGeom>
+          <a:noFill/>
+        </p:spPr>
+        <p:txBody>
+          <a:bodyPr wrap="none" rtlCol="0">
+            <a:spAutoFit/>
+          </a:bodyPr>
+          <a:lstStyle/>
+          <a:p>
+            <a:r>
+              <a:rPr lang="en-US" dirty="0" smtClean="0"/>
+              <a:t>Hardware Domain 2</a:t>
+            </a:r>
+            <a:endParaRPr lang="en-US" dirty="0"/>
+          </a:p>
+        </p:txBody>
+      </p:sp>
+      <p:sp>
+        <p:nvSpPr>
+          <p:cNvPr id="97" name="Rounded Rectangle 96"/>
+          <p:cNvSpPr/>
+          <p:nvPr/>
+        </p:nvSpPr>
+        <p:spPr>
+          <a:xfrm>
+            <a:off x="5728255" y="2334378"/>
+            <a:ext cx="2947352" cy="3432194"/>
+          </a:xfrm>
+          <a:prstGeom prst="roundRect">
+            <a:avLst/>
+          </a:prstGeom>
+          <a:solidFill>
+            <a:schemeClr val="tx2">
+              <a:lumMod val="40000"/>
+              <a:lumOff val="60000"/>
+              <a:alpha val="15000"/>
+            </a:schemeClr>
+          </a:solidFill>
+        </p:spPr>
+        <p:style>
+          <a:lnRef idx="1">
+            <a:schemeClr val="accent1"/>
+          </a:lnRef>
+          <a:fillRef idx="3">
+            <a:schemeClr val="accent1"/>
+          </a:fillRef>
+          <a:effectRef idx="2">
+            <a:schemeClr val="accent1"/>
+          </a:effectRef>
+          <a:fontRef idx="minor">
+            <a:schemeClr val="lt1"/>
+          </a:fontRef>
+        </p:style>
+        <p:txBody>
+          <a:bodyPr rtlCol="0" anchor="ctr"/>
+          <a:lstStyle/>
+          <a:p>
+            <a:pPr algn="ctr"/>
+            <a:endParaRPr lang="en-US" dirty="0"/>
+          </a:p>
+        </p:txBody>
+      </p:sp>
+      <p:sp>
+        <p:nvSpPr>
+          <p:cNvPr id="98" name="Rounded Rectangle 97"/>
+          <p:cNvSpPr/>
+          <p:nvPr/>
+        </p:nvSpPr>
+        <p:spPr>
+          <a:xfrm>
+            <a:off x="6366604" y="2498990"/>
+            <a:ext cx="1497445" cy="337138"/>
+          </a:xfrm>
+          <a:prstGeom prst="roundRect">
+            <a:avLst/>
+          </a:prstGeom>
+        </p:spPr>
+        <p:style>
+          <a:lnRef idx="1">
+            <a:schemeClr val="accent1"/>
+          </a:lnRef>
+          <a:fillRef idx="3">
+            <a:schemeClr val="accent1"/>
+          </a:fillRef>
+          <a:effectRef idx="2">
+            <a:schemeClr val="accent1"/>
+          </a:effectRef>
+          <a:fontRef idx="minor">
+            <a:schemeClr val="lt1"/>
+          </a:fontRef>
+        </p:style>
+        <p:txBody>
+          <a:bodyPr rtlCol="0" anchor="ctr"/>
+          <a:lstStyle/>
+          <a:p>
+            <a:pPr algn="ctr"/>
+            <a:r>
+              <a:rPr lang="en-US" dirty="0" smtClean="0"/>
+              <a:t>OVX 2</a:t>
+            </a:r>
+            <a:endParaRPr lang="en-US" dirty="0"/>
+          </a:p>
+        </p:txBody>
+      </p:sp>
+      <p:sp>
+        <p:nvSpPr>
+          <p:cNvPr id="99" name="Rounded Rectangle 98"/>
+          <p:cNvSpPr/>
+          <p:nvPr/>
+        </p:nvSpPr>
+        <p:spPr>
+          <a:xfrm>
+            <a:off x="5909405" y="3685969"/>
+            <a:ext cx="761498" cy="441300"/>
+          </a:xfrm>
+          <a:prstGeom prst="roundRect">
+            <a:avLst/>
+          </a:prstGeom>
+          <a:noFill/>
+          <a:ln>
+            <a:solidFill>
+              <a:schemeClr val="tx1"/>
+            </a:solidFill>
+          </a:ln>
+        </p:spPr>
+        <p:style>
+          <a:lnRef idx="1">
+            <a:schemeClr val="accent1"/>
+          </a:lnRef>
+          <a:fillRef idx="3">
+            <a:schemeClr val="accent1"/>
+          </a:fillRef>
+          <a:effectRef idx="2">
+            <a:schemeClr val="accent1"/>
+          </a:effectRef>
+          <a:fontRef idx="minor">
+            <a:schemeClr val="lt1"/>
+          </a:fontRef>
+        </p:style>
+        <p:txBody>
+          <a:bodyPr rtlCol="0" anchor="ctr"/>
+          <a:lstStyle/>
+          <a:p>
+            <a:pPr algn="ctr"/>
+            <a:endParaRPr lang="en-US"/>
+          </a:p>
+        </p:txBody>
+      </p:sp>
+      <p:sp>
+        <p:nvSpPr>
+          <p:cNvPr id="100" name="Rounded Rectangle 99"/>
+          <p:cNvSpPr/>
+          <p:nvPr/>
+        </p:nvSpPr>
+        <p:spPr>
+          <a:xfrm>
+            <a:off x="7667453" y="3663606"/>
+            <a:ext cx="761498" cy="449609"/>
+          </a:xfrm>
+          <a:prstGeom prst="roundRect">
+            <a:avLst/>
+          </a:prstGeom>
+          <a:noFill/>
+          <a:ln>
+            <a:solidFill>
+              <a:schemeClr val="tx1"/>
+            </a:solidFill>
+          </a:ln>
+        </p:spPr>
+        <p:style>
+          <a:lnRef idx="1">
+            <a:schemeClr val="accent1"/>
+          </a:lnRef>
+          <a:fillRef idx="3">
+            <a:schemeClr val="accent1"/>
+          </a:fillRef>
+          <a:effectRef idx="2">
+            <a:schemeClr val="accent1"/>
+          </a:effectRef>
+          <a:fontRef idx="minor">
+            <a:schemeClr val="lt1"/>
+          </a:fontRef>
+        </p:style>
+        <p:txBody>
+          <a:bodyPr rtlCol="0" anchor="ctr"/>
+          <a:lstStyle/>
+          <a:p>
+            <a:pPr algn="ctr"/>
+            <a:endParaRPr lang="en-US"/>
+          </a:p>
+        </p:txBody>
+      </p:sp>
+      <p:cxnSp>
+        <p:nvCxnSpPr>
+          <p:cNvPr id="101" name="Straight Arrow Connector 100"/>
+          <p:cNvCxnSpPr>
+            <a:stCxn id="99" idx="3"/>
+            <a:endCxn id="100" idx="1"/>
+          </p:cNvCxnSpPr>
+          <p:nvPr/>
+        </p:nvCxnSpPr>
+        <p:spPr>
+          <a:xfrm flipV="1">
+            <a:off x="6670903" y="3888411"/>
+            <a:ext cx="996550" cy="18208"/>
+          </a:xfrm>
+          <a:prstGeom prst="straightConnector1">
+            <a:avLst/>
+          </a:prstGeom>
+          <a:ln>
+            <a:solidFill>
+              <a:schemeClr val="tx1"/>
+            </a:solidFill>
+            <a:headEnd type="arrow"/>
+            <a:tailEnd type="arrow"/>
+          </a:ln>
+        </p:spPr>
+        <p:style>
+          <a:lnRef idx="2">
+            <a:schemeClr val="accent1"/>
+          </a:lnRef>
+          <a:fillRef idx="0">
+            <a:schemeClr val="accent1"/>
+          </a:fillRef>
+          <a:effectRef idx="1">
+            <a:schemeClr val="accent1"/>
+          </a:effectRef>
+          <a:fontRef idx="minor">
+            <a:schemeClr val="tx1"/>
+          </a:fontRef>
+        </p:style>
+      </p:cxnSp>
+      <p:cxnSp>
+        <p:nvCxnSpPr>
+          <p:cNvPr id="102" name="Straight Arrow Connector 101"/>
+          <p:cNvCxnSpPr>
+            <a:stCxn id="99" idx="0"/>
+          </p:cNvCxnSpPr>
+          <p:nvPr/>
+        </p:nvCxnSpPr>
+        <p:spPr>
+          <a:xfrm flipV="1">
+            <a:off x="6290154" y="2836129"/>
+            <a:ext cx="533650" cy="849840"/>
+          </a:xfrm>
+          <a:prstGeom prst="straightConnector1">
+            <a:avLst/>
+          </a:prstGeom>
+          <a:ln>
+            <a:solidFill>
+              <a:schemeClr val="tx1"/>
+            </a:solidFill>
+            <a:headEnd type="arrow"/>
+            <a:tailEnd type="arrow"/>
+          </a:ln>
+        </p:spPr>
+        <p:style>
+          <a:lnRef idx="2">
+            <a:schemeClr val="accent1"/>
+          </a:lnRef>
+          <a:fillRef idx="0">
+            <a:schemeClr val="accent1"/>
+          </a:fillRef>
+          <a:effectRef idx="1">
+            <a:schemeClr val="accent1"/>
+          </a:effectRef>
+          <a:fontRef idx="minor">
+            <a:schemeClr val="tx1"/>
+          </a:fontRef>
+        </p:style>
+      </p:cxnSp>
+      <p:cxnSp>
+        <p:nvCxnSpPr>
+          <p:cNvPr id="103" name="Straight Arrow Connector 102"/>
+          <p:cNvCxnSpPr>
+            <a:endCxn id="100" idx="0"/>
+          </p:cNvCxnSpPr>
+          <p:nvPr/>
+        </p:nvCxnSpPr>
+        <p:spPr>
+          <a:xfrm>
+            <a:off x="7522537" y="2836128"/>
+            <a:ext cx="525665" cy="827478"/>
+          </a:xfrm>
+          <a:prstGeom prst="straightConnector1">
+            <a:avLst/>
+          </a:prstGeom>
+          <a:ln>
+            <a:solidFill>
+              <a:schemeClr val="tx1"/>
+            </a:solidFill>
+            <a:headEnd type="arrow"/>
+            <a:tailEnd type="arrow"/>
+          </a:ln>
+        </p:spPr>
+        <p:style>
+          <a:lnRef idx="2">
+            <a:schemeClr val="accent1"/>
+          </a:lnRef>
+          <a:fillRef idx="0">
+            <a:schemeClr val="accent1"/>
+          </a:fillRef>
+          <a:effectRef idx="1">
+            <a:schemeClr val="accent1"/>
+          </a:effectRef>
+          <a:fontRef idx="minor">
+            <a:schemeClr val="tx1"/>
+          </a:fontRef>
+        </p:style>
+      </p:cxnSp>
+      <p:sp>
+        <p:nvSpPr>
+          <p:cNvPr id="104" name="Rectangle 103"/>
+          <p:cNvSpPr/>
+          <p:nvPr/>
+        </p:nvSpPr>
+        <p:spPr>
+          <a:xfrm>
+            <a:off x="5899765" y="4952240"/>
+            <a:ext cx="548640" cy="448056"/>
+          </a:xfrm>
+          <a:prstGeom prst="rect">
+            <a:avLst/>
+          </a:prstGeom>
+          <a:solidFill>
+            <a:srgbClr val="C3D69B"/>
+          </a:solidFill>
+          <a:ln>
+            <a:solidFill>
+              <a:schemeClr val="tx1"/>
+            </a:solidFill>
+          </a:ln>
+        </p:spPr>
+        <p:style>
+          <a:lnRef idx="1">
+            <a:schemeClr val="accent1"/>
+          </a:lnRef>
+          <a:fillRef idx="3">
+            <a:schemeClr val="accent1"/>
+          </a:fillRef>
+          <a:effectRef idx="2">
+            <a:schemeClr val="accent1"/>
+          </a:effectRef>
+          <a:fontRef idx="minor">
+            <a:schemeClr val="lt1"/>
+          </a:fontRef>
+        </p:style>
+        <p:txBody>
+          <a:bodyPr rtlCol="0" anchor="ctr"/>
+          <a:lstStyle/>
+          <a:p>
+            <a:pPr algn="ctr"/>
+            <a:endParaRPr lang="en-US"/>
+          </a:p>
+        </p:txBody>
+      </p:sp>
+      <p:sp>
+        <p:nvSpPr>
+          <p:cNvPr id="105" name="Rectangle 104"/>
+          <p:cNvSpPr/>
+          <p:nvPr/>
+        </p:nvSpPr>
+        <p:spPr>
+          <a:xfrm>
+            <a:off x="7371479" y="4959423"/>
+            <a:ext cx="547674" cy="440873"/>
+          </a:xfrm>
+          <a:prstGeom prst="rect">
+            <a:avLst/>
+          </a:prstGeom>
+          <a:solidFill>
+            <a:srgbClr val="B9CDE5"/>
+          </a:solidFill>
+          <a:ln>
+            <a:solidFill>
+              <a:schemeClr val="tx1"/>
+            </a:solidFill>
+          </a:ln>
+        </p:spPr>
+        <p:style>
+          <a:lnRef idx="1">
+            <a:schemeClr val="accent1"/>
+          </a:lnRef>
+          <a:fillRef idx="3">
+            <a:schemeClr val="accent1"/>
+          </a:fillRef>
+          <a:effectRef idx="2">
+            <a:schemeClr val="accent1"/>
+          </a:effectRef>
+          <a:fontRef idx="minor">
+            <a:schemeClr val="lt1"/>
+          </a:fontRef>
+        </p:style>
+        <p:txBody>
+          <a:bodyPr rtlCol="0" anchor="ctr"/>
+          <a:lstStyle/>
+          <a:p>
+            <a:pPr algn="ctr"/>
+            <a:endParaRPr lang="en-US"/>
+          </a:p>
+        </p:txBody>
+      </p:sp>
+      <p:sp>
+        <p:nvSpPr>
+          <p:cNvPr id="106" name="Rectangle 105"/>
+          <p:cNvSpPr/>
+          <p:nvPr/>
+        </p:nvSpPr>
+        <p:spPr>
+          <a:xfrm>
+            <a:off x="8009493" y="4966072"/>
+            <a:ext cx="519731" cy="440873"/>
+          </a:xfrm>
+          <a:prstGeom prst="rect">
+            <a:avLst/>
+          </a:prstGeom>
+          <a:solidFill>
+            <a:srgbClr val="B9CDE5"/>
+          </a:solidFill>
+          <a:ln>
+            <a:solidFill>
+              <a:schemeClr val="tx1"/>
+            </a:solidFill>
+          </a:ln>
+        </p:spPr>
+        <p:style>
+          <a:lnRef idx="1">
+            <a:schemeClr val="accent1"/>
+          </a:lnRef>
+          <a:fillRef idx="3">
+            <a:schemeClr val="accent1"/>
+          </a:fillRef>
+          <a:effectRef idx="2">
+            <a:schemeClr val="accent1"/>
+          </a:effectRef>
+          <a:fontRef idx="minor">
+            <a:schemeClr val="lt1"/>
+          </a:fontRef>
+        </p:style>
+        <p:txBody>
+          <a:bodyPr rtlCol="0" anchor="ctr"/>
+          <a:lstStyle/>
+          <a:p>
+            <a:pPr algn="ctr"/>
+            <a:endParaRPr lang="en-US"/>
+          </a:p>
+        </p:txBody>
+      </p:sp>
+      <p:cxnSp>
+        <p:nvCxnSpPr>
+          <p:cNvPr id="107" name="Straight Arrow Connector 106"/>
+          <p:cNvCxnSpPr>
+            <a:endCxn id="104" idx="0"/>
+          </p:cNvCxnSpPr>
+          <p:nvPr/>
+        </p:nvCxnSpPr>
+        <p:spPr>
+          <a:xfrm flipH="1">
+            <a:off x="6174085" y="4077004"/>
+            <a:ext cx="103858" cy="875236"/>
+          </a:xfrm>
+          <a:prstGeom prst="straightConnector1">
+            <a:avLst/>
+          </a:prstGeom>
+          <a:ln>
+            <a:solidFill>
+              <a:schemeClr val="tx1"/>
+            </a:solidFill>
+            <a:headEnd type="arrow"/>
+            <a:tailEnd type="arrow"/>
+          </a:ln>
+        </p:spPr>
+        <p:style>
+          <a:lnRef idx="2">
+            <a:schemeClr val="accent1"/>
+          </a:lnRef>
+          <a:fillRef idx="0">
+            <a:schemeClr val="accent1"/>
+          </a:fillRef>
+          <a:effectRef idx="1">
+            <a:schemeClr val="accent1"/>
+          </a:effectRef>
+          <a:fontRef idx="minor">
+            <a:schemeClr val="tx1"/>
+          </a:fontRef>
+        </p:style>
+      </p:cxnSp>
+      <p:cxnSp>
+        <p:nvCxnSpPr>
+          <p:cNvPr id="108" name="Straight Arrow Connector 107"/>
+          <p:cNvCxnSpPr>
+            <a:stCxn id="100" idx="2"/>
+            <a:endCxn id="106" idx="0"/>
+          </p:cNvCxnSpPr>
+          <p:nvPr/>
+        </p:nvCxnSpPr>
+        <p:spPr>
+          <a:xfrm>
+            <a:off x="8048202" y="4113215"/>
+            <a:ext cx="221157" cy="852857"/>
+          </a:xfrm>
+          <a:prstGeom prst="straightConnector1">
+            <a:avLst/>
+          </a:prstGeom>
+          <a:ln>
+            <a:solidFill>
+              <a:schemeClr val="tx1"/>
+            </a:solidFill>
+            <a:headEnd type="arrow"/>
+            <a:tailEnd type="arrow"/>
+          </a:ln>
+        </p:spPr>
+        <p:style>
+          <a:lnRef idx="2">
+            <a:schemeClr val="accent1"/>
+          </a:lnRef>
+          <a:fillRef idx="0">
+            <a:schemeClr val="accent1"/>
+          </a:fillRef>
+          <a:effectRef idx="1">
+            <a:schemeClr val="accent1"/>
+          </a:effectRef>
+          <a:fontRef idx="minor">
+            <a:schemeClr val="tx1"/>
+          </a:fontRef>
+        </p:style>
+      </p:cxnSp>
+      <p:cxnSp>
+        <p:nvCxnSpPr>
+          <p:cNvPr id="109" name="Straight Arrow Connector 108"/>
+          <p:cNvCxnSpPr>
+            <a:endCxn id="105" idx="0"/>
+          </p:cNvCxnSpPr>
+          <p:nvPr/>
+        </p:nvCxnSpPr>
+        <p:spPr>
+          <a:xfrm flipH="1">
+            <a:off x="7645316" y="4084187"/>
+            <a:ext cx="292146" cy="875236"/>
+          </a:xfrm>
+          <a:prstGeom prst="straightConnector1">
+            <a:avLst/>
+          </a:prstGeom>
+          <a:ln>
+            <a:solidFill>
+              <a:schemeClr val="tx1"/>
+            </a:solidFill>
+            <a:headEnd type="arrow"/>
+            <a:tailEnd type="arrow"/>
+          </a:ln>
+        </p:spPr>
+        <p:style>
+          <a:lnRef idx="2">
+            <a:schemeClr val="accent1"/>
+          </a:lnRef>
+          <a:fillRef idx="0">
+            <a:schemeClr val="accent1"/>
+          </a:fillRef>
+          <a:effectRef idx="1">
+            <a:schemeClr val="accent1"/>
+          </a:effectRef>
+          <a:fontRef idx="minor">
+            <a:schemeClr val="tx1"/>
+          </a:fontRef>
+        </p:style>
+      </p:cxnSp>
+      <p:sp>
+        <p:nvSpPr>
+          <p:cNvPr id="110" name="TextBox 109"/>
+          <p:cNvSpPr txBox="1"/>
+          <p:nvPr/>
+        </p:nvSpPr>
+        <p:spPr>
+          <a:xfrm>
+            <a:off x="5945485" y="5015744"/>
+            <a:ext cx="457200" cy="369332"/>
+          </a:xfrm>
+          <a:prstGeom prst="rect">
+            <a:avLst/>
+          </a:prstGeom>
+          <a:noFill/>
+        </p:spPr>
+        <p:txBody>
+          <a:bodyPr wrap="square" rtlCol="0">
+            <a:spAutoFit/>
+          </a:bodyPr>
+          <a:lstStyle/>
+          <a:p>
+            <a:r>
+              <a:rPr lang="en-US" dirty="0" smtClean="0"/>
+              <a:t>h1</a:t>
+            </a:r>
+            <a:endParaRPr lang="en-US" dirty="0"/>
+          </a:p>
+        </p:txBody>
+      </p:sp>
+      <p:sp>
+        <p:nvSpPr>
+          <p:cNvPr id="111" name="TextBox 110"/>
+          <p:cNvSpPr txBox="1"/>
+          <p:nvPr/>
+        </p:nvSpPr>
+        <p:spPr>
+          <a:xfrm>
+            <a:off x="7412580" y="5025133"/>
+            <a:ext cx="465472" cy="369332"/>
+          </a:xfrm>
+          <a:prstGeom prst="rect">
+            <a:avLst/>
+          </a:prstGeom>
+          <a:noFill/>
+        </p:spPr>
+        <p:txBody>
+          <a:bodyPr wrap="square" rtlCol="0">
+            <a:spAutoFit/>
+          </a:bodyPr>
+          <a:lstStyle/>
+          <a:p>
+            <a:r>
+              <a:rPr lang="en-US" dirty="0" smtClean="0"/>
+              <a:t>h2</a:t>
+            </a:r>
+            <a:endParaRPr lang="en-US" dirty="0"/>
+          </a:p>
+        </p:txBody>
+      </p:sp>
+      <p:sp>
+        <p:nvSpPr>
+          <p:cNvPr id="112" name="TextBox 111"/>
+          <p:cNvSpPr txBox="1"/>
+          <p:nvPr/>
+        </p:nvSpPr>
+        <p:spPr>
+          <a:xfrm>
+            <a:off x="8029587" y="4992931"/>
+            <a:ext cx="451001" cy="369332"/>
+          </a:xfrm>
+          <a:prstGeom prst="rect">
+            <a:avLst/>
+          </a:prstGeom>
+          <a:noFill/>
+        </p:spPr>
+        <p:txBody>
+          <a:bodyPr wrap="square" rtlCol="0">
+            <a:spAutoFit/>
+          </a:bodyPr>
+          <a:lstStyle/>
+          <a:p>
+            <a:r>
+              <a:rPr lang="en-US" dirty="0" smtClean="0"/>
+              <a:t>h3</a:t>
+            </a:r>
+            <a:endParaRPr lang="en-US" dirty="0"/>
+          </a:p>
+        </p:txBody>
+      </p:sp>
+      <p:sp>
+        <p:nvSpPr>
+          <p:cNvPr id="113" name="TextBox 112"/>
+          <p:cNvSpPr txBox="1"/>
+          <p:nvPr/>
+        </p:nvSpPr>
+        <p:spPr>
+          <a:xfrm>
+            <a:off x="5963373" y="3743883"/>
+            <a:ext cx="618228" cy="369332"/>
+          </a:xfrm>
+          <a:prstGeom prst="rect">
+            <a:avLst/>
+          </a:prstGeom>
+          <a:noFill/>
+        </p:spPr>
+        <p:txBody>
+          <a:bodyPr wrap="square" rtlCol="0">
+            <a:spAutoFit/>
+          </a:bodyPr>
+          <a:lstStyle/>
+          <a:p>
+            <a:r>
+              <a:rPr lang="en-US" dirty="0" smtClean="0"/>
+              <a:t>SW1</a:t>
+            </a:r>
+            <a:endParaRPr lang="en-US" dirty="0"/>
+          </a:p>
+        </p:txBody>
+      </p:sp>
+      <p:sp>
+        <p:nvSpPr>
+          <p:cNvPr id="114" name="TextBox 113"/>
+          <p:cNvSpPr txBox="1"/>
+          <p:nvPr/>
+        </p:nvSpPr>
+        <p:spPr>
+          <a:xfrm>
+            <a:off x="7752776" y="3717327"/>
+            <a:ext cx="724443" cy="369332"/>
+          </a:xfrm>
+          <a:prstGeom prst="rect">
+            <a:avLst/>
+          </a:prstGeom>
+          <a:noFill/>
+        </p:spPr>
+        <p:txBody>
+          <a:bodyPr wrap="square" rtlCol="0">
+            <a:spAutoFit/>
+          </a:bodyPr>
+          <a:lstStyle/>
+          <a:p>
+            <a:r>
+              <a:rPr lang="en-US" dirty="0" smtClean="0"/>
+              <a:t>SW2</a:t>
+            </a:r>
+            <a:endParaRPr lang="en-US" dirty="0"/>
+          </a:p>
+        </p:txBody>
+      </p:sp>
+      <p:sp>
+        <p:nvSpPr>
+          <p:cNvPr id="117" name="Rounded Rectangle 116"/>
+          <p:cNvSpPr/>
+          <p:nvPr/>
+        </p:nvSpPr>
+        <p:spPr>
+          <a:xfrm>
+            <a:off x="1848677" y="1151224"/>
+            <a:ext cx="2220536" cy="313916"/>
+          </a:xfrm>
+          <a:prstGeom prst="roundRect">
+            <a:avLst/>
+          </a:prstGeom>
+          <a:solidFill>
+            <a:srgbClr val="7F7F7F"/>
+          </a:solidFill>
+          <a:ln>
+            <a:noFill/>
+          </a:ln>
+        </p:spPr>
+        <p:style>
+          <a:lnRef idx="1">
+            <a:schemeClr val="accent1"/>
+          </a:lnRef>
+          <a:fillRef idx="3">
+            <a:schemeClr val="accent1"/>
+          </a:fillRef>
+          <a:effectRef idx="2">
+            <a:schemeClr val="accent1"/>
+          </a:effectRef>
+          <a:fontRef idx="minor">
+            <a:schemeClr val="lt1"/>
+          </a:fontRef>
+        </p:style>
+        <p:txBody>
+          <a:bodyPr rtlCol="0" anchor="ctr"/>
+          <a:lstStyle/>
+          <a:p>
+            <a:pPr algn="ctr"/>
+            <a:r>
+              <a:rPr lang="en-US" dirty="0" smtClean="0"/>
+              <a:t>Controller 1</a:t>
+            </a:r>
+            <a:endParaRPr lang="en-US" dirty="0"/>
+          </a:p>
+        </p:txBody>
+      </p:sp>
+      <p:sp>
+        <p:nvSpPr>
+          <p:cNvPr id="119" name="Rounded Rectangle 118"/>
+          <p:cNvSpPr/>
+          <p:nvPr/>
+        </p:nvSpPr>
+        <p:spPr>
+          <a:xfrm>
+            <a:off x="4452204" y="1151224"/>
+            <a:ext cx="2220536" cy="313916"/>
+          </a:xfrm>
+          <a:prstGeom prst="roundRect">
+            <a:avLst/>
+          </a:prstGeom>
+          <a:solidFill>
+            <a:schemeClr val="bg1">
+              <a:lumMod val="50000"/>
+            </a:schemeClr>
+          </a:solidFill>
+          <a:ln>
+            <a:noFill/>
+          </a:ln>
+        </p:spPr>
+        <p:style>
+          <a:lnRef idx="1">
+            <a:schemeClr val="accent1"/>
+          </a:lnRef>
+          <a:fillRef idx="3">
+            <a:schemeClr val="accent1"/>
+          </a:fillRef>
+          <a:effectRef idx="2">
+            <a:schemeClr val="accent1"/>
+          </a:effectRef>
+          <a:fontRef idx="minor">
+            <a:schemeClr val="lt1"/>
+          </a:fontRef>
+        </p:style>
+        <p:txBody>
+          <a:bodyPr rtlCol="0" anchor="ctr"/>
+          <a:lstStyle/>
+          <a:p>
+            <a:pPr algn="ctr"/>
+            <a:r>
+              <a:rPr lang="en-US" dirty="0" smtClean="0"/>
+              <a:t>Controller 2</a:t>
+            </a:r>
+            <a:endParaRPr lang="en-US" dirty="0"/>
+          </a:p>
+        </p:txBody>
+      </p:sp>
+      <p:cxnSp>
+        <p:nvCxnSpPr>
+          <p:cNvPr id="121" name="Straight Arrow Connector 120"/>
+          <p:cNvCxnSpPr>
+            <a:stCxn id="117" idx="2"/>
+          </p:cNvCxnSpPr>
+          <p:nvPr/>
+        </p:nvCxnSpPr>
+        <p:spPr>
+          <a:xfrm>
+            <a:off x="2958945" y="1465140"/>
+            <a:ext cx="3489460" cy="1025306"/>
+          </a:xfrm>
+          <a:prstGeom prst="straightConnector1">
+            <a:avLst/>
+          </a:prstGeom>
+          <a:ln>
+            <a:solidFill>
+              <a:schemeClr val="accent2"/>
+            </a:solidFill>
+            <a:headEnd type="arrow"/>
+            <a:tailEnd type="arrow"/>
+          </a:ln>
+        </p:spPr>
+        <p:style>
+          <a:lnRef idx="2">
+            <a:schemeClr val="accent1"/>
+          </a:lnRef>
+          <a:fillRef idx="0">
+            <a:schemeClr val="accent1"/>
+          </a:fillRef>
+          <a:effectRef idx="1">
+            <a:schemeClr val="accent1"/>
+          </a:effectRef>
+          <a:fontRef idx="minor">
+            <a:schemeClr val="tx1"/>
+          </a:fontRef>
+        </p:style>
+      </p:cxnSp>
+      <p:cxnSp>
+        <p:nvCxnSpPr>
+          <p:cNvPr id="122" name="Straight Arrow Connector 121"/>
+          <p:cNvCxnSpPr/>
+          <p:nvPr/>
+        </p:nvCxnSpPr>
+        <p:spPr>
+          <a:xfrm flipH="1">
+            <a:off x="1347158" y="1465140"/>
+            <a:ext cx="682226" cy="1033850"/>
+          </a:xfrm>
+          <a:prstGeom prst="straightConnector1">
+            <a:avLst/>
+          </a:prstGeom>
+          <a:ln>
+            <a:solidFill>
+              <a:schemeClr val="accent2"/>
+            </a:solidFill>
+            <a:headEnd type="arrow"/>
+            <a:tailEnd type="arrow"/>
+          </a:ln>
+        </p:spPr>
+        <p:style>
+          <a:lnRef idx="2">
+            <a:schemeClr val="accent1"/>
+          </a:lnRef>
+          <a:fillRef idx="0">
+            <a:schemeClr val="accent1"/>
+          </a:fillRef>
+          <a:effectRef idx="1">
+            <a:schemeClr val="accent1"/>
+          </a:effectRef>
+          <a:fontRef idx="minor">
+            <a:schemeClr val="tx1"/>
+          </a:fontRef>
+        </p:style>
+      </p:cxnSp>
+      <p:cxnSp>
+        <p:nvCxnSpPr>
+          <p:cNvPr id="124" name="Straight Arrow Connector 123"/>
+          <p:cNvCxnSpPr>
+            <a:stCxn id="119" idx="2"/>
+          </p:cNvCxnSpPr>
+          <p:nvPr/>
+        </p:nvCxnSpPr>
+        <p:spPr>
+          <a:xfrm flipH="1">
+            <a:off x="2429032" y="1465140"/>
+            <a:ext cx="3133440" cy="1025306"/>
+          </a:xfrm>
+          <a:prstGeom prst="straightConnector1">
+            <a:avLst/>
+          </a:prstGeom>
+          <a:ln>
+            <a:solidFill>
+              <a:srgbClr val="77933C"/>
+            </a:solidFill>
+            <a:headEnd type="arrow"/>
+            <a:tailEnd type="arrow"/>
+          </a:ln>
+        </p:spPr>
+        <p:style>
+          <a:lnRef idx="2">
+            <a:schemeClr val="accent1"/>
+          </a:lnRef>
+          <a:fillRef idx="0">
+            <a:schemeClr val="accent1"/>
+          </a:fillRef>
+          <a:effectRef idx="1">
+            <a:schemeClr val="accent1"/>
+          </a:effectRef>
+          <a:fontRef idx="minor">
+            <a:schemeClr val="tx1"/>
+          </a:fontRef>
+        </p:style>
+      </p:cxnSp>
+      <p:cxnSp>
+        <p:nvCxnSpPr>
+          <p:cNvPr id="126" name="Straight Arrow Connector 125"/>
+          <p:cNvCxnSpPr/>
+          <p:nvPr/>
+        </p:nvCxnSpPr>
+        <p:spPr>
+          <a:xfrm>
+            <a:off x="6448406" y="1465140"/>
+            <a:ext cx="964174" cy="1033850"/>
+          </a:xfrm>
+          <a:prstGeom prst="straightConnector1">
+            <a:avLst/>
+          </a:prstGeom>
+          <a:ln>
+            <a:solidFill>
+              <a:srgbClr val="77933C"/>
+            </a:solidFill>
+            <a:headEnd type="arrow"/>
+            <a:tailEnd type="arrow"/>
+          </a:ln>
+        </p:spPr>
+        <p:style>
+          <a:lnRef idx="2">
+            <a:schemeClr val="accent1"/>
+          </a:lnRef>
+          <a:fillRef idx="0">
+            <a:schemeClr val="accent1"/>
+          </a:fillRef>
+          <a:effectRef idx="1">
+            <a:schemeClr val="accent1"/>
+          </a:effectRef>
+          <a:fontRef idx="minor">
+            <a:schemeClr val="tx1"/>
+          </a:fontRef>
+        </p:style>
+      </p:cxnSp>
+      <p:cxnSp>
+        <p:nvCxnSpPr>
+          <p:cNvPr id="131" name="Straight Arrow Connector 130"/>
+          <p:cNvCxnSpPr/>
+          <p:nvPr/>
+        </p:nvCxnSpPr>
+        <p:spPr>
+          <a:xfrm flipV="1">
+            <a:off x="2540304" y="2695368"/>
+            <a:ext cx="3812297" cy="729"/>
+          </a:xfrm>
+          <a:prstGeom prst="straightConnector1">
+            <a:avLst/>
+          </a:prstGeom>
+          <a:ln>
+            <a:solidFill>
+              <a:schemeClr val="tx1"/>
+            </a:solidFill>
+            <a:headEnd type="arrow"/>
+            <a:tailEnd type="arrow"/>
+          </a:ln>
+        </p:spPr>
+        <p:style>
+          <a:lnRef idx="2">
+            <a:schemeClr val="accent1"/>
+          </a:lnRef>
+          <a:fillRef idx="0">
+            <a:schemeClr val="accent1"/>
+          </a:fillRef>
+          <a:effectRef idx="1">
+            <a:schemeClr val="accent1"/>
+          </a:effectRef>
+          <a:fontRef idx="minor">
+            <a:schemeClr val="tx1"/>
+          </a:fontRef>
+        </p:style>
+      </p:cxnSp>
     </p:spTree>
     <p:extLst>
       <p:ext uri="{BB962C8B-B14F-4D97-AF65-F5344CB8AC3E}">
@@ -8135,9 +8609,107 @@
   <p:timing>
     <p:tnLst>
       <p:par>
-        <p:cTn xmlns:p14="http://schemas.microsoft.com/office/powerpoint/2010/main" id="1" dur="indefinite" restart="never" nodeType="tmRoot"/>
+        <p:cTn xmlns:p14="http://schemas.microsoft.com/office/powerpoint/2010/main" id="1" dur="indefinite" restart="never" nodeType="tmRoot">
+          <p:childTnLst>
+            <p:seq concurrent="1" nextAc="seek">
+              <p:cTn id="2" dur="indefinite" nodeType="mainSeq">
+                <p:childTnLst>
+                  <p:par>
+                    <p:cTn id="3" fill="hold">
+                      <p:stCondLst>
+                        <p:cond delay="indefinite"/>
+                      </p:stCondLst>
+                      <p:childTnLst>
+                        <p:par>
+                          <p:cTn id="4" fill="hold">
+                            <p:stCondLst>
+                              <p:cond delay="0"/>
+                            </p:stCondLst>
+                            <p:childTnLst>
+                              <p:par>
+                                <p:cTn id="5" presetID="1" presetClass="entr" presetSubtype="0" fill="hold" grpId="0" nodeType="clickEffect">
+                                  <p:stCondLst>
+                                    <p:cond delay="0"/>
+                                  </p:stCondLst>
+                                  <p:childTnLst>
+                                    <p:set>
+                                      <p:cBhvr>
+                                        <p:cTn id="6" dur="1" fill="hold">
+                                          <p:stCondLst>
+                                            <p:cond delay="0"/>
+                                          </p:stCondLst>
+                                        </p:cTn>
+                                        <p:tgtEl>
+                                          <p:spTgt spid="74"/>
+                                        </p:tgtEl>
+                                        <p:attrNameLst>
+                                          <p:attrName>style.visibility</p:attrName>
+                                        </p:attrNameLst>
+                                      </p:cBhvr>
+                                      <p:to>
+                                        <p:strVal val="visible"/>
+                                      </p:to>
+                                    </p:set>
+                                  </p:childTnLst>
+                                </p:cTn>
+                              </p:par>
+                              <p:par>
+                                <p:cTn id="7" presetID="1" presetClass="exit" presetSubtype="0" fill="hold" nodeType="withEffect">
+                                  <p:stCondLst>
+                                    <p:cond delay="0"/>
+                                  </p:stCondLst>
+                                  <p:childTnLst>
+                                    <p:set>
+                                      <p:cBhvr>
+                                        <p:cTn id="8" dur="1" fill="hold">
+                                          <p:stCondLst>
+                                            <p:cond delay="0"/>
+                                          </p:stCondLst>
+                                        </p:cTn>
+                                        <p:tgtEl>
+                                          <p:spTgt spid="131"/>
+                                        </p:tgtEl>
+                                        <p:attrNameLst>
+                                          <p:attrName>style.visibility</p:attrName>
+                                        </p:attrNameLst>
+                                      </p:cBhvr>
+                                      <p:to>
+                                        <p:strVal val="hidden"/>
+                                      </p:to>
+                                    </p:set>
+                                  </p:childTnLst>
+                                </p:cTn>
+                              </p:par>
+                            </p:childTnLst>
+                          </p:cTn>
+                        </p:par>
+                      </p:childTnLst>
+                    </p:cTn>
+                  </p:par>
+                </p:childTnLst>
+              </p:cTn>
+              <p:prevCondLst>
+                <p:cond evt="onPrev" delay="0">
+                  <p:tgtEl>
+                    <p:sldTgt/>
+                  </p:tgtEl>
+                </p:cond>
+              </p:prevCondLst>
+              <p:nextCondLst>
+                <p:cond evt="onNext" delay="0">
+                  <p:tgtEl>
+                    <p:sldTgt/>
+                  </p:tgtEl>
+                </p:cond>
+              </p:nextCondLst>
+            </p:seq>
+          </p:childTnLst>
+        </p:cTn>
       </p:par>
     </p:tnLst>
+    <p:bldLst>
+      <p:bldP spid="74" grpId="0" animBg="1"/>
+    </p:bldLst>
   </p:timing>
 </p:sld>
 </file>
@@ -8161,14 +8733,14 @@
       </p:grpSpPr>
       <p:sp>
         <p:nvSpPr>
-          <p:cNvPr id="72" name="Rounded Rectangle 71"/>
+          <p:cNvPr id="71" name="Rounded Rectangle 70"/>
           <p:cNvSpPr/>
           <p:nvPr/>
         </p:nvSpPr>
         <p:spPr>
           <a:xfrm>
-            <a:off x="5194247" y="1620042"/>
-            <a:ext cx="3539153" cy="4137987"/>
+            <a:off x="404510" y="2325834"/>
+            <a:ext cx="2947352" cy="3432194"/>
           </a:xfrm>
           <a:prstGeom prst="roundRect">
             <a:avLst/>
@@ -8200,31 +8772,24 @@
           <a:lstStyle/>
           <a:p>
             <a:pPr algn="ctr"/>
-            <a:endParaRPr lang="en-US"/>
-          </a:p>
-        </p:txBody>
-      </p:sp>
-      <p:sp>
-        <p:nvSpPr>
-          <p:cNvPr id="71" name="Rounded Rectangle 70"/>
+            <a:endParaRPr lang="en-US" dirty="0"/>
+          </a:p>
+        </p:txBody>
+      </p:sp>
+      <p:sp>
+        <p:nvSpPr>
+          <p:cNvPr id="4" name="Rounded Rectangle 3"/>
           <p:cNvSpPr/>
           <p:nvPr/>
         </p:nvSpPr>
         <p:spPr>
           <a:xfrm>
-            <a:off x="404509" y="1620042"/>
-            <a:ext cx="3539153" cy="4137987"/>
+            <a:off x="1042859" y="2490446"/>
+            <a:ext cx="1497445" cy="337138"/>
           </a:xfrm>
           <a:prstGeom prst="roundRect">
             <a:avLst/>
           </a:prstGeom>
-          <a:solidFill>
-            <a:schemeClr val="tx2">
-              <a:lumMod val="40000"/>
-              <a:lumOff val="60000"/>
-              <a:alpha val="15000"/>
-            </a:schemeClr>
-          </a:solidFill>
         </p:spPr>
         <p:style>
           <a:lnRef idx="1">
@@ -8245,44 +8810,6 @@
           <a:lstStyle/>
           <a:p>
             <a:pPr algn="ctr"/>
-            <a:endParaRPr lang="en-US"/>
-          </a:p>
-        </p:txBody>
-      </p:sp>
-      <p:sp>
-        <p:nvSpPr>
-          <p:cNvPr id="4" name="Rounded Rectangle 3"/>
-          <p:cNvSpPr/>
-          <p:nvPr/>
-        </p:nvSpPr>
-        <p:spPr>
-          <a:xfrm>
-            <a:off x="1065765" y="2119454"/>
-            <a:ext cx="1798118" cy="370992"/>
-          </a:xfrm>
-          <a:prstGeom prst="roundRect">
-            <a:avLst/>
-          </a:prstGeom>
-        </p:spPr>
-        <p:style>
-          <a:lnRef idx="1">
-            <a:schemeClr val="accent1"/>
-          </a:lnRef>
-          <a:fillRef idx="3">
-            <a:schemeClr val="accent1"/>
-          </a:fillRef>
-          <a:effectRef idx="2">
-            <a:schemeClr val="accent1"/>
-          </a:effectRef>
-          <a:fontRef idx="minor">
-            <a:schemeClr val="lt1"/>
-          </a:fontRef>
-        </p:style>
-        <p:txBody>
-          <a:bodyPr rtlCol="0" anchor="ctr"/>
-          <a:lstStyle/>
-          <a:p>
-            <a:pPr algn="ctr"/>
             <a:r>
               <a:rPr lang="en-US" dirty="0" smtClean="0"/>
               <a:t>OVX 1</a:t>
@@ -8293,56 +8820,14 @@
       </p:sp>
       <p:sp>
         <p:nvSpPr>
-          <p:cNvPr id="5" name="Rounded Rectangle 4"/>
-          <p:cNvSpPr/>
-          <p:nvPr/>
-        </p:nvSpPr>
-        <p:spPr>
-          <a:xfrm>
-            <a:off x="6180347" y="2134912"/>
-            <a:ext cx="1798118" cy="370992"/>
-          </a:xfrm>
-          <a:prstGeom prst="roundRect">
-            <a:avLst/>
-          </a:prstGeom>
-        </p:spPr>
-        <p:style>
-          <a:lnRef idx="1">
-            <a:schemeClr val="accent1"/>
-          </a:lnRef>
-          <a:fillRef idx="3">
-            <a:schemeClr val="accent1"/>
-          </a:fillRef>
-          <a:effectRef idx="2">
-            <a:schemeClr val="accent1"/>
-          </a:effectRef>
-          <a:fontRef idx="minor">
-            <a:schemeClr val="lt1"/>
-          </a:fontRef>
-        </p:style>
-        <p:txBody>
-          <a:bodyPr rtlCol="0" anchor="ctr"/>
-          <a:lstStyle/>
-          <a:p>
-            <a:pPr algn="ctr"/>
-            <a:r>
-              <a:rPr lang="en-US" dirty="0" smtClean="0"/>
-              <a:t>OVX 2</a:t>
-            </a:r>
-            <a:endParaRPr lang="en-US" dirty="0"/>
-          </a:p>
-        </p:txBody>
-      </p:sp>
-      <p:sp>
-        <p:nvSpPr>
           <p:cNvPr id="6" name="Rounded Rectangle 5"/>
           <p:cNvSpPr/>
           <p:nvPr/>
         </p:nvSpPr>
         <p:spPr>
           <a:xfrm>
-            <a:off x="608565" y="3289506"/>
-            <a:ext cx="914400" cy="556488"/>
+            <a:off x="585660" y="3677425"/>
+            <a:ext cx="761498" cy="441300"/>
           </a:xfrm>
           <a:prstGeom prst="roundRect">
             <a:avLst/>
@@ -8379,102 +8864,14 @@
       </p:sp>
       <p:sp>
         <p:nvSpPr>
-          <p:cNvPr id="18" name="Rounded Rectangle 17"/>
-          <p:cNvSpPr/>
-          <p:nvPr/>
-        </p:nvSpPr>
-        <p:spPr>
-          <a:xfrm>
-            <a:off x="7521265" y="3169211"/>
-            <a:ext cx="914400" cy="630013"/>
-          </a:xfrm>
-          <a:prstGeom prst="roundRect">
-            <a:avLst/>
-          </a:prstGeom>
-          <a:noFill/>
-          <a:ln>
-            <a:solidFill>
-              <a:schemeClr val="tx1"/>
-            </a:solidFill>
-          </a:ln>
-        </p:spPr>
-        <p:style>
-          <a:lnRef idx="1">
-            <a:schemeClr val="accent1"/>
-          </a:lnRef>
-          <a:fillRef idx="3">
-            <a:schemeClr val="accent1"/>
-          </a:fillRef>
-          <a:effectRef idx="2">
-            <a:schemeClr val="accent1"/>
-          </a:effectRef>
-          <a:fontRef idx="minor">
-            <a:schemeClr val="lt1"/>
-          </a:fontRef>
-        </p:style>
-        <p:txBody>
-          <a:bodyPr rtlCol="0" anchor="ctr"/>
-          <a:lstStyle/>
-          <a:p>
-            <a:pPr algn="ctr"/>
-            <a:endParaRPr lang="en-US"/>
-          </a:p>
-        </p:txBody>
-      </p:sp>
-      <p:sp>
-        <p:nvSpPr>
-          <p:cNvPr id="19" name="Rounded Rectangle 18"/>
-          <p:cNvSpPr/>
-          <p:nvPr/>
-        </p:nvSpPr>
-        <p:spPr>
-          <a:xfrm>
-            <a:off x="5742128" y="3184669"/>
-            <a:ext cx="935489" cy="598106"/>
-          </a:xfrm>
-          <a:prstGeom prst="roundRect">
-            <a:avLst/>
-          </a:prstGeom>
-          <a:noFill/>
-          <a:ln>
-            <a:solidFill>
-              <a:schemeClr val="tx1"/>
-            </a:solidFill>
-          </a:ln>
-        </p:spPr>
-        <p:style>
-          <a:lnRef idx="1">
-            <a:schemeClr val="accent1"/>
-          </a:lnRef>
-          <a:fillRef idx="3">
-            <a:schemeClr val="accent1"/>
-          </a:fillRef>
-          <a:effectRef idx="2">
-            <a:schemeClr val="accent1"/>
-          </a:effectRef>
-          <a:fontRef idx="minor">
-            <a:schemeClr val="lt1"/>
-          </a:fontRef>
-        </p:style>
-        <p:txBody>
-          <a:bodyPr rtlCol="0" anchor="ctr"/>
-          <a:lstStyle/>
-          <a:p>
-            <a:pPr algn="ctr"/>
-            <a:endParaRPr lang="en-US"/>
-          </a:p>
-        </p:txBody>
-      </p:sp>
-      <p:sp>
-        <p:nvSpPr>
           <p:cNvPr id="20" name="Rounded Rectangle 19"/>
           <p:cNvSpPr/>
           <p:nvPr/>
         </p:nvSpPr>
         <p:spPr>
           <a:xfrm>
-            <a:off x="2366613" y="3263346"/>
-            <a:ext cx="914400" cy="598106"/>
+            <a:off x="2343708" y="3655062"/>
+            <a:ext cx="761498" cy="449609"/>
           </a:xfrm>
           <a:prstGeom prst="roundRect">
             <a:avLst/>
@@ -8520,45 +8917,8 @@
         </p:nvCxnSpPr>
         <p:spPr>
           <a:xfrm flipV="1">
-            <a:off x="1522965" y="3562399"/>
-            <a:ext cx="843648" cy="5351"/>
-          </a:xfrm>
-          <a:prstGeom prst="straightConnector1">
-            <a:avLst/>
-          </a:prstGeom>
-          <a:ln>
-            <a:solidFill>
-              <a:schemeClr val="tx1"/>
-            </a:solidFill>
-            <a:headEnd type="arrow"/>
-            <a:tailEnd type="arrow"/>
-          </a:ln>
-        </p:spPr>
-        <p:style>
-          <a:lnRef idx="2">
-            <a:schemeClr val="accent1"/>
-          </a:lnRef>
-          <a:fillRef idx="0">
-            <a:schemeClr val="accent1"/>
-          </a:fillRef>
-          <a:effectRef idx="1">
-            <a:schemeClr val="accent1"/>
-          </a:effectRef>
-          <a:fontRef idx="minor">
-            <a:schemeClr val="tx1"/>
-          </a:fontRef>
-        </p:style>
-      </p:cxnSp>
-      <p:cxnSp>
-        <p:nvCxnSpPr>
-          <p:cNvPr id="23" name="Straight Arrow Connector 22"/>
-          <p:cNvCxnSpPr/>
-          <p:nvPr/>
-        </p:nvCxnSpPr>
-        <p:spPr>
-          <a:xfrm flipV="1">
-            <a:off x="6677617" y="3510278"/>
-            <a:ext cx="843648" cy="5351"/>
+            <a:off x="1347158" y="3879867"/>
+            <a:ext cx="996550" cy="18208"/>
           </a:xfrm>
           <a:prstGeom prst="straightConnector1">
             <a:avLst/>
@@ -8596,8 +8956,8 @@
         </p:nvCxnSpPr>
         <p:spPr>
           <a:xfrm flipV="1">
-            <a:off x="1065765" y="2490446"/>
-            <a:ext cx="457200" cy="799060"/>
+            <a:off x="966409" y="2827585"/>
+            <a:ext cx="533650" cy="849840"/>
           </a:xfrm>
           <a:prstGeom prst="straightConnector1">
             <a:avLst/>
@@ -8635,8 +8995,8 @@
         </p:nvCxnSpPr>
         <p:spPr>
           <a:xfrm>
-            <a:off x="2221698" y="2490446"/>
-            <a:ext cx="602115" cy="772900"/>
+            <a:off x="2198792" y="2827584"/>
+            <a:ext cx="525665" cy="827478"/>
           </a:xfrm>
           <a:prstGeom prst="straightConnector1">
             <a:avLst/>
@@ -8664,84 +9024,6 @@
           </a:fontRef>
         </p:style>
       </p:cxnSp>
-      <p:cxnSp>
-        <p:nvCxnSpPr>
-          <p:cNvPr id="26" name="Straight Arrow Connector 25"/>
-          <p:cNvCxnSpPr>
-            <a:stCxn id="19" idx="0"/>
-          </p:cNvCxnSpPr>
-          <p:nvPr/>
-        </p:nvCxnSpPr>
-        <p:spPr>
-          <a:xfrm flipV="1">
-            <a:off x="6209873" y="2505904"/>
-            <a:ext cx="588696" cy="678765"/>
-          </a:xfrm>
-          <a:prstGeom prst="straightConnector1">
-            <a:avLst/>
-          </a:prstGeom>
-          <a:ln>
-            <a:solidFill>
-              <a:schemeClr val="tx1"/>
-            </a:solidFill>
-            <a:headEnd type="arrow"/>
-            <a:tailEnd type="arrow"/>
-          </a:ln>
-        </p:spPr>
-        <p:style>
-          <a:lnRef idx="2">
-            <a:schemeClr val="accent1"/>
-          </a:lnRef>
-          <a:fillRef idx="0">
-            <a:schemeClr val="accent1"/>
-          </a:fillRef>
-          <a:effectRef idx="1">
-            <a:schemeClr val="accent1"/>
-          </a:effectRef>
-          <a:fontRef idx="minor">
-            <a:schemeClr val="tx1"/>
-          </a:fontRef>
-        </p:style>
-      </p:cxnSp>
-      <p:cxnSp>
-        <p:nvCxnSpPr>
-          <p:cNvPr id="34" name="Straight Arrow Connector 33"/>
-          <p:cNvCxnSpPr>
-            <a:stCxn id="18" idx="0"/>
-          </p:cNvCxnSpPr>
-          <p:nvPr/>
-        </p:nvCxnSpPr>
-        <p:spPr>
-          <a:xfrm flipH="1" flipV="1">
-            <a:off x="7444348" y="2505905"/>
-            <a:ext cx="534117" cy="663306"/>
-          </a:xfrm>
-          <a:prstGeom prst="straightConnector1">
-            <a:avLst/>
-          </a:prstGeom>
-          <a:ln>
-            <a:solidFill>
-              <a:schemeClr val="tx1"/>
-            </a:solidFill>
-            <a:headEnd type="arrow"/>
-            <a:tailEnd type="arrow"/>
-          </a:ln>
-        </p:spPr>
-        <p:style>
-          <a:lnRef idx="2">
-            <a:schemeClr val="accent1"/>
-          </a:lnRef>
-          <a:fillRef idx="0">
-            <a:schemeClr val="accent1"/>
-          </a:fillRef>
-          <a:effectRef idx="1">
-            <a:schemeClr val="accent1"/>
-          </a:effectRef>
-          <a:fontRef idx="minor">
-            <a:schemeClr val="tx1"/>
-          </a:fontRef>
-        </p:style>
-      </p:cxnSp>
       <p:sp>
         <p:nvSpPr>
           <p:cNvPr id="36" name="Rectangle 35"/>
@@ -8750,8 +9032,8 @@
         </p:nvSpPr>
         <p:spPr>
           <a:xfrm>
-            <a:off x="608565" y="4659322"/>
-            <a:ext cx="756351" cy="485144"/>
+            <a:off x="576020" y="4943696"/>
+            <a:ext cx="548640" cy="448056"/>
           </a:xfrm>
           <a:prstGeom prst="rect">
             <a:avLst/>
@@ -8796,8 +9078,8 @@
         </p:nvSpPr>
         <p:spPr>
           <a:xfrm>
-            <a:off x="3010403" y="4659322"/>
-            <a:ext cx="756351" cy="485144"/>
+            <a:off x="2699079" y="4950879"/>
+            <a:ext cx="519731" cy="440873"/>
           </a:xfrm>
           <a:prstGeom prst="rect">
             <a:avLst/>
@@ -8834,52 +9116,6 @@
           </a:p>
         </p:txBody>
       </p:sp>
-      <p:sp>
-        <p:nvSpPr>
-          <p:cNvPr id="41" name="Rectangle 40"/>
-          <p:cNvSpPr/>
-          <p:nvPr/>
-        </p:nvSpPr>
-        <p:spPr>
-          <a:xfrm>
-            <a:off x="5363952" y="4612552"/>
-            <a:ext cx="756351" cy="485144"/>
-          </a:xfrm>
-          <a:prstGeom prst="rect">
-            <a:avLst/>
-          </a:prstGeom>
-          <a:solidFill>
-            <a:srgbClr val="C3D69B"/>
-          </a:solidFill>
-          <a:ln>
-            <a:solidFill>
-              <a:schemeClr val="tx1"/>
-            </a:solidFill>
-          </a:ln>
-        </p:spPr>
-        <p:style>
-          <a:lnRef idx="1">
-            <a:schemeClr val="accent1"/>
-          </a:lnRef>
-          <a:fillRef idx="3">
-            <a:schemeClr val="accent1"/>
-          </a:fillRef>
-          <a:effectRef idx="2">
-            <a:schemeClr val="accent1"/>
-          </a:effectRef>
-          <a:fontRef idx="minor">
-            <a:schemeClr val="lt1"/>
-          </a:fontRef>
-        </p:style>
-        <p:txBody>
-          <a:bodyPr rtlCol="0" anchor="ctr"/>
-          <a:lstStyle/>
-          <a:p>
-            <a:pPr algn="ctr"/>
-            <a:endParaRPr lang="en-US"/>
-          </a:p>
-        </p:txBody>
-      </p:sp>
       <p:cxnSp>
         <p:nvCxnSpPr>
           <p:cNvPr id="44" name="Straight Arrow Connector 43"/>
@@ -8889,9 +9125,9 @@
           <p:nvPr/>
         </p:nvCxnSpPr>
         <p:spPr>
-          <a:xfrm>
-            <a:off x="986741" y="3828356"/>
-            <a:ext cx="0" cy="830966"/>
+          <a:xfrm flipH="1">
+            <a:off x="850340" y="4068460"/>
+            <a:ext cx="103858" cy="875236"/>
           </a:xfrm>
           <a:prstGeom prst="straightConnector1">
             <a:avLst/>
@@ -8923,14 +9159,446 @@
         <p:nvCxnSpPr>
           <p:cNvPr id="47" name="Straight Arrow Connector 46"/>
           <p:cNvCxnSpPr>
+            <a:stCxn id="20" idx="2"/>
             <a:endCxn id="38" idx="0"/>
           </p:cNvCxnSpPr>
           <p:nvPr/>
         </p:nvCxnSpPr>
         <p:spPr>
           <a:xfrm>
-            <a:off x="2979955" y="3828356"/>
-            <a:ext cx="408624" cy="830966"/>
+            <a:off x="2724457" y="4104671"/>
+            <a:ext cx="234488" cy="846208"/>
+          </a:xfrm>
+          <a:prstGeom prst="straightConnector1">
+            <a:avLst/>
+          </a:prstGeom>
+          <a:ln>
+            <a:solidFill>
+              <a:schemeClr val="tx1"/>
+            </a:solidFill>
+            <a:headEnd type="arrow"/>
+            <a:tailEnd type="arrow"/>
+          </a:ln>
+        </p:spPr>
+        <p:style>
+          <a:lnRef idx="2">
+            <a:schemeClr val="accent1"/>
+          </a:lnRef>
+          <a:fillRef idx="0">
+            <a:schemeClr val="accent1"/>
+          </a:fillRef>
+          <a:effectRef idx="1">
+            <a:schemeClr val="accent1"/>
+          </a:effectRef>
+          <a:fontRef idx="minor">
+            <a:schemeClr val="tx1"/>
+          </a:fontRef>
+        </p:style>
+      </p:cxnSp>
+      <p:sp>
+        <p:nvSpPr>
+          <p:cNvPr id="60" name="TextBox 59"/>
+          <p:cNvSpPr txBox="1"/>
+          <p:nvPr/>
+        </p:nvSpPr>
+        <p:spPr>
+          <a:xfrm>
+            <a:off x="621740" y="5007200"/>
+            <a:ext cx="457200" cy="369332"/>
+          </a:xfrm>
+          <a:prstGeom prst="rect">
+            <a:avLst/>
+          </a:prstGeom>
+          <a:noFill/>
+        </p:spPr>
+        <p:txBody>
+          <a:bodyPr wrap="square" rtlCol="0">
+            <a:spAutoFit/>
+          </a:bodyPr>
+          <a:lstStyle/>
+          <a:p>
+            <a:r>
+              <a:rPr lang="en-US" dirty="0" smtClean="0"/>
+              <a:t>h1</a:t>
+            </a:r>
+            <a:endParaRPr lang="en-US" dirty="0"/>
+          </a:p>
+        </p:txBody>
+      </p:sp>
+      <p:sp>
+        <p:nvSpPr>
+          <p:cNvPr id="62" name="TextBox 61"/>
+          <p:cNvSpPr txBox="1"/>
+          <p:nvPr/>
+        </p:nvSpPr>
+        <p:spPr>
+          <a:xfrm>
+            <a:off x="2745237" y="5022420"/>
+            <a:ext cx="451001" cy="369332"/>
+          </a:xfrm>
+          <a:prstGeom prst="rect">
+            <a:avLst/>
+          </a:prstGeom>
+          <a:noFill/>
+        </p:spPr>
+        <p:txBody>
+          <a:bodyPr wrap="square" rtlCol="0">
+            <a:spAutoFit/>
+          </a:bodyPr>
+          <a:lstStyle/>
+          <a:p>
+            <a:r>
+              <a:rPr lang="en-US" dirty="0" smtClean="0"/>
+              <a:t>h3</a:t>
+            </a:r>
+            <a:endParaRPr lang="en-US" dirty="0"/>
+          </a:p>
+        </p:txBody>
+      </p:sp>
+      <p:sp>
+        <p:nvSpPr>
+          <p:cNvPr id="66" name="TextBox 65"/>
+          <p:cNvSpPr txBox="1"/>
+          <p:nvPr/>
+        </p:nvSpPr>
+        <p:spPr>
+          <a:xfrm>
+            <a:off x="639628" y="3735339"/>
+            <a:ext cx="618228" cy="369332"/>
+          </a:xfrm>
+          <a:prstGeom prst="rect">
+            <a:avLst/>
+          </a:prstGeom>
+          <a:noFill/>
+        </p:spPr>
+        <p:txBody>
+          <a:bodyPr wrap="square" rtlCol="0">
+            <a:spAutoFit/>
+          </a:bodyPr>
+          <a:lstStyle/>
+          <a:p>
+            <a:r>
+              <a:rPr lang="en-US" dirty="0" smtClean="0"/>
+              <a:t>SW1</a:t>
+            </a:r>
+            <a:endParaRPr lang="en-US" dirty="0"/>
+          </a:p>
+        </p:txBody>
+      </p:sp>
+      <p:sp>
+        <p:nvSpPr>
+          <p:cNvPr id="67" name="TextBox 66"/>
+          <p:cNvSpPr txBox="1"/>
+          <p:nvPr/>
+        </p:nvSpPr>
+        <p:spPr>
+          <a:xfrm>
+            <a:off x="2429031" y="3708783"/>
+            <a:ext cx="724443" cy="369332"/>
+          </a:xfrm>
+          <a:prstGeom prst="rect">
+            <a:avLst/>
+          </a:prstGeom>
+          <a:noFill/>
+        </p:spPr>
+        <p:txBody>
+          <a:bodyPr wrap="square" rtlCol="0">
+            <a:spAutoFit/>
+          </a:bodyPr>
+          <a:lstStyle/>
+          <a:p>
+            <a:r>
+              <a:rPr lang="en-US" dirty="0" smtClean="0"/>
+              <a:t>SW2</a:t>
+            </a:r>
+            <a:endParaRPr lang="en-US" dirty="0"/>
+          </a:p>
+        </p:txBody>
+      </p:sp>
+      <p:sp>
+        <p:nvSpPr>
+          <p:cNvPr id="86" name="Title 1"/>
+          <p:cNvSpPr>
+            <a:spLocks noGrp="1"/>
+          </p:cNvSpPr>
+          <p:nvPr>
+            <p:ph type="title"/>
+          </p:nvPr>
+        </p:nvSpPr>
+        <p:spPr>
+          <a:xfrm>
+            <a:off x="457200" y="274638"/>
+            <a:ext cx="8229600" cy="581497"/>
+          </a:xfrm>
+        </p:spPr>
+        <p:txBody>
+          <a:bodyPr>
+            <a:normAutofit fontScale="90000"/>
+          </a:bodyPr>
+          <a:lstStyle/>
+          <a:p>
+            <a:r>
+              <a:rPr lang="en-US" sz="4000" b="1" dirty="0" smtClean="0">
+                <a:latin typeface="Times New Roman"/>
+                <a:cs typeface="Times New Roman"/>
+              </a:rPr>
+              <a:t>Project Overview</a:t>
+            </a:r>
+            <a:endParaRPr lang="en-US" sz="4000" b="1" dirty="0">
+              <a:latin typeface="Times New Roman"/>
+              <a:cs typeface="Times New Roman"/>
+            </a:endParaRPr>
+          </a:p>
+        </p:txBody>
+      </p:sp>
+      <p:sp>
+        <p:nvSpPr>
+          <p:cNvPr id="88" name="TextBox 87"/>
+          <p:cNvSpPr txBox="1"/>
+          <p:nvPr/>
+        </p:nvSpPr>
+        <p:spPr>
+          <a:xfrm>
+            <a:off x="775661" y="5809111"/>
+            <a:ext cx="2066040" cy="369332"/>
+          </a:xfrm>
+          <a:prstGeom prst="rect">
+            <a:avLst/>
+          </a:prstGeom>
+          <a:noFill/>
+        </p:spPr>
+        <p:txBody>
+          <a:bodyPr wrap="none" rtlCol="0">
+            <a:spAutoFit/>
+          </a:bodyPr>
+          <a:lstStyle/>
+          <a:p>
+            <a:r>
+              <a:rPr lang="en-US" dirty="0" smtClean="0"/>
+              <a:t>Hardware Domain 1</a:t>
+            </a:r>
+            <a:endParaRPr lang="en-US" dirty="0"/>
+          </a:p>
+        </p:txBody>
+      </p:sp>
+      <p:sp>
+        <p:nvSpPr>
+          <p:cNvPr id="89" name="TextBox 88"/>
+          <p:cNvSpPr txBox="1"/>
+          <p:nvPr/>
+        </p:nvSpPr>
+        <p:spPr>
+          <a:xfrm>
+            <a:off x="6203319" y="5809111"/>
+            <a:ext cx="2066040" cy="369332"/>
+          </a:xfrm>
+          <a:prstGeom prst="rect">
+            <a:avLst/>
+          </a:prstGeom>
+          <a:noFill/>
+        </p:spPr>
+        <p:txBody>
+          <a:bodyPr wrap="none" rtlCol="0">
+            <a:spAutoFit/>
+          </a:bodyPr>
+          <a:lstStyle/>
+          <a:p>
+            <a:r>
+              <a:rPr lang="en-US" dirty="0" smtClean="0"/>
+              <a:t>Hardware Domain 2</a:t>
+            </a:r>
+            <a:endParaRPr lang="en-US" dirty="0"/>
+          </a:p>
+        </p:txBody>
+      </p:sp>
+      <p:sp>
+        <p:nvSpPr>
+          <p:cNvPr id="97" name="Rounded Rectangle 96"/>
+          <p:cNvSpPr/>
+          <p:nvPr/>
+        </p:nvSpPr>
+        <p:spPr>
+          <a:xfrm>
+            <a:off x="5728255" y="2334378"/>
+            <a:ext cx="2947352" cy="3432194"/>
+          </a:xfrm>
+          <a:prstGeom prst="roundRect">
+            <a:avLst/>
+          </a:prstGeom>
+          <a:solidFill>
+            <a:schemeClr val="tx2">
+              <a:lumMod val="40000"/>
+              <a:lumOff val="60000"/>
+              <a:alpha val="15000"/>
+            </a:schemeClr>
+          </a:solidFill>
+        </p:spPr>
+        <p:style>
+          <a:lnRef idx="1">
+            <a:schemeClr val="accent1"/>
+          </a:lnRef>
+          <a:fillRef idx="3">
+            <a:schemeClr val="accent1"/>
+          </a:fillRef>
+          <a:effectRef idx="2">
+            <a:schemeClr val="accent1"/>
+          </a:effectRef>
+          <a:fontRef idx="minor">
+            <a:schemeClr val="lt1"/>
+          </a:fontRef>
+        </p:style>
+        <p:txBody>
+          <a:bodyPr rtlCol="0" anchor="ctr"/>
+          <a:lstStyle/>
+          <a:p>
+            <a:pPr algn="ctr"/>
+            <a:endParaRPr lang="en-US" dirty="0"/>
+          </a:p>
+        </p:txBody>
+      </p:sp>
+      <p:sp>
+        <p:nvSpPr>
+          <p:cNvPr id="98" name="Rounded Rectangle 97"/>
+          <p:cNvSpPr/>
+          <p:nvPr/>
+        </p:nvSpPr>
+        <p:spPr>
+          <a:xfrm>
+            <a:off x="6366604" y="2498990"/>
+            <a:ext cx="1497445" cy="337138"/>
+          </a:xfrm>
+          <a:prstGeom prst="roundRect">
+            <a:avLst/>
+          </a:prstGeom>
+        </p:spPr>
+        <p:style>
+          <a:lnRef idx="1">
+            <a:schemeClr val="accent1"/>
+          </a:lnRef>
+          <a:fillRef idx="3">
+            <a:schemeClr val="accent1"/>
+          </a:fillRef>
+          <a:effectRef idx="2">
+            <a:schemeClr val="accent1"/>
+          </a:effectRef>
+          <a:fontRef idx="minor">
+            <a:schemeClr val="lt1"/>
+          </a:fontRef>
+        </p:style>
+        <p:txBody>
+          <a:bodyPr rtlCol="0" anchor="ctr"/>
+          <a:lstStyle/>
+          <a:p>
+            <a:pPr algn="ctr"/>
+            <a:r>
+              <a:rPr lang="en-US" dirty="0" smtClean="0"/>
+              <a:t>OVX 2</a:t>
+            </a:r>
+            <a:endParaRPr lang="en-US" dirty="0"/>
+          </a:p>
+        </p:txBody>
+      </p:sp>
+      <p:sp>
+        <p:nvSpPr>
+          <p:cNvPr id="99" name="Rounded Rectangle 98"/>
+          <p:cNvSpPr/>
+          <p:nvPr/>
+        </p:nvSpPr>
+        <p:spPr>
+          <a:xfrm>
+            <a:off x="5909405" y="3685969"/>
+            <a:ext cx="761498" cy="441300"/>
+          </a:xfrm>
+          <a:prstGeom prst="roundRect">
+            <a:avLst/>
+          </a:prstGeom>
+          <a:noFill/>
+          <a:ln>
+            <a:solidFill>
+              <a:schemeClr val="tx1"/>
+            </a:solidFill>
+          </a:ln>
+        </p:spPr>
+        <p:style>
+          <a:lnRef idx="1">
+            <a:schemeClr val="accent1"/>
+          </a:lnRef>
+          <a:fillRef idx="3">
+            <a:schemeClr val="accent1"/>
+          </a:fillRef>
+          <a:effectRef idx="2">
+            <a:schemeClr val="accent1"/>
+          </a:effectRef>
+          <a:fontRef idx="minor">
+            <a:schemeClr val="lt1"/>
+          </a:fontRef>
+        </p:style>
+        <p:txBody>
+          <a:bodyPr rtlCol="0" anchor="ctr"/>
+          <a:lstStyle/>
+          <a:p>
+            <a:pPr algn="ctr"/>
+            <a:endParaRPr lang="en-US"/>
+          </a:p>
+        </p:txBody>
+      </p:sp>
+      <p:sp>
+        <p:nvSpPr>
+          <p:cNvPr id="100" name="Rounded Rectangle 99"/>
+          <p:cNvSpPr/>
+          <p:nvPr/>
+        </p:nvSpPr>
+        <p:spPr>
+          <a:xfrm>
+            <a:off x="7667453" y="3663606"/>
+            <a:ext cx="761498" cy="449609"/>
+          </a:xfrm>
+          <a:prstGeom prst="roundRect">
+            <a:avLst/>
+          </a:prstGeom>
+          <a:noFill/>
+          <a:ln>
+            <a:solidFill>
+              <a:schemeClr val="tx1"/>
+            </a:solidFill>
+          </a:ln>
+        </p:spPr>
+        <p:style>
+          <a:lnRef idx="1">
+            <a:schemeClr val="accent1"/>
+          </a:lnRef>
+          <a:fillRef idx="3">
+            <a:schemeClr val="accent1"/>
+          </a:fillRef>
+          <a:effectRef idx="2">
+            <a:schemeClr val="accent1"/>
+          </a:effectRef>
+          <a:fontRef idx="minor">
+            <a:schemeClr val="lt1"/>
+          </a:fontRef>
+        </p:style>
+        <p:txBody>
+          <a:bodyPr rtlCol="0" anchor="ctr"/>
+          <a:lstStyle/>
+          <a:p>
+            <a:pPr algn="ctr"/>
+            <a:endParaRPr lang="en-US"/>
+          </a:p>
+        </p:txBody>
+      </p:sp>
+      <p:cxnSp>
+        <p:nvCxnSpPr>
+          <p:cNvPr id="101" name="Straight Arrow Connector 100"/>
+          <p:cNvCxnSpPr>
+            <a:stCxn id="99" idx="3"/>
+            <a:endCxn id="100" idx="1"/>
+          </p:cNvCxnSpPr>
+          <p:nvPr/>
+        </p:nvCxnSpPr>
+        <p:spPr>
+          <a:xfrm flipV="1">
+            <a:off x="6670903" y="3888411"/>
+            <a:ext cx="996550" cy="18208"/>
           </a:xfrm>
           <a:prstGeom prst="straightConnector1">
             <a:avLst/>
@@ -8960,16 +9628,16 @@
       </p:cxnSp>
       <p:cxnSp>
         <p:nvCxnSpPr>
-          <p:cNvPr id="49" name="Straight Arrow Connector 48"/>
+          <p:cNvPr id="102" name="Straight Arrow Connector 101"/>
           <p:cNvCxnSpPr>
-            <a:endCxn id="41" idx="0"/>
+            <a:stCxn id="99" idx="0"/>
           </p:cNvCxnSpPr>
           <p:nvPr/>
         </p:nvCxnSpPr>
         <p:spPr>
-          <a:xfrm flipH="1">
-            <a:off x="5742128" y="3781586"/>
-            <a:ext cx="282092" cy="830966"/>
+          <a:xfrm flipV="1">
+            <a:off x="6290154" y="2836129"/>
+            <a:ext cx="533650" cy="849840"/>
           </a:xfrm>
           <a:prstGeom prst="straightConnector1">
             <a:avLst/>
@@ -8997,265 +9665,18 @@
           </a:fontRef>
         </p:style>
       </p:cxnSp>
-      <p:sp>
-        <p:nvSpPr>
-          <p:cNvPr id="60" name="TextBox 59"/>
-          <p:cNvSpPr txBox="1"/>
-          <p:nvPr/>
-        </p:nvSpPr>
-        <p:spPr>
-          <a:xfrm>
-            <a:off x="775272" y="4741047"/>
-            <a:ext cx="422937" cy="369332"/>
-          </a:xfrm>
-          <a:prstGeom prst="rect">
-            <a:avLst/>
-          </a:prstGeom>
-          <a:noFill/>
-        </p:spPr>
-        <p:txBody>
-          <a:bodyPr wrap="none" rtlCol="0">
-            <a:spAutoFit/>
-          </a:bodyPr>
-          <a:lstStyle/>
-          <a:p>
-            <a:r>
-              <a:rPr lang="en-US" dirty="0" smtClean="0"/>
-              <a:t>h1</a:t>
-            </a:r>
-            <a:endParaRPr lang="en-US" dirty="0"/>
-          </a:p>
-        </p:txBody>
-      </p:sp>
-      <p:sp>
-        <p:nvSpPr>
-          <p:cNvPr id="62" name="TextBox 61"/>
-          <p:cNvSpPr txBox="1"/>
-          <p:nvPr/>
-        </p:nvSpPr>
-        <p:spPr>
-          <a:xfrm>
-            <a:off x="3177110" y="4712150"/>
-            <a:ext cx="422937" cy="369332"/>
-          </a:xfrm>
-          <a:prstGeom prst="rect">
-            <a:avLst/>
-          </a:prstGeom>
-          <a:noFill/>
-        </p:spPr>
-        <p:txBody>
-          <a:bodyPr wrap="none" rtlCol="0">
-            <a:spAutoFit/>
-          </a:bodyPr>
-          <a:lstStyle/>
-          <a:p>
-            <a:r>
-              <a:rPr lang="en-US" dirty="0" smtClean="0"/>
-              <a:t>h3</a:t>
-            </a:r>
-            <a:endParaRPr lang="en-US" dirty="0"/>
-          </a:p>
-        </p:txBody>
-      </p:sp>
-      <p:sp>
-        <p:nvSpPr>
-          <p:cNvPr id="63" name="TextBox 62"/>
-          <p:cNvSpPr txBox="1"/>
-          <p:nvPr/>
-        </p:nvSpPr>
-        <p:spPr>
-          <a:xfrm>
-            <a:off x="5548206" y="4665380"/>
-            <a:ext cx="422937" cy="369332"/>
-          </a:xfrm>
-          <a:prstGeom prst="rect">
-            <a:avLst/>
-          </a:prstGeom>
-          <a:noFill/>
-        </p:spPr>
-        <p:txBody>
-          <a:bodyPr wrap="none" rtlCol="0">
-            <a:spAutoFit/>
-          </a:bodyPr>
-          <a:lstStyle/>
-          <a:p>
-            <a:r>
-              <a:rPr lang="en-US" dirty="0" smtClean="0"/>
-              <a:t>h1</a:t>
-            </a:r>
-            <a:endParaRPr lang="en-US" dirty="0"/>
-          </a:p>
-        </p:txBody>
-      </p:sp>
-      <p:sp>
-        <p:nvSpPr>
-          <p:cNvPr id="66" name="TextBox 65"/>
-          <p:cNvSpPr txBox="1"/>
-          <p:nvPr/>
-        </p:nvSpPr>
-        <p:spPr>
-          <a:xfrm>
-            <a:off x="751835" y="3383084"/>
-            <a:ext cx="613081" cy="369332"/>
-          </a:xfrm>
-          <a:prstGeom prst="rect">
-            <a:avLst/>
-          </a:prstGeom>
-          <a:noFill/>
-        </p:spPr>
-        <p:txBody>
-          <a:bodyPr wrap="none" rtlCol="0">
-            <a:spAutoFit/>
-          </a:bodyPr>
-          <a:lstStyle/>
-          <a:p>
-            <a:r>
-              <a:rPr lang="en-US" dirty="0" smtClean="0"/>
-              <a:t>SW1</a:t>
-            </a:r>
-            <a:endParaRPr lang="en-US" dirty="0"/>
-          </a:p>
-        </p:txBody>
-      </p:sp>
-      <p:sp>
-        <p:nvSpPr>
-          <p:cNvPr id="67" name="TextBox 66"/>
-          <p:cNvSpPr txBox="1"/>
-          <p:nvPr/>
-        </p:nvSpPr>
-        <p:spPr>
-          <a:xfrm>
-            <a:off x="2517272" y="3383084"/>
-            <a:ext cx="613081" cy="369332"/>
-          </a:xfrm>
-          <a:prstGeom prst="rect">
-            <a:avLst/>
-          </a:prstGeom>
-          <a:noFill/>
-        </p:spPr>
-        <p:txBody>
-          <a:bodyPr wrap="none" rtlCol="0">
-            <a:spAutoFit/>
-          </a:bodyPr>
-          <a:lstStyle/>
-          <a:p>
-            <a:r>
-              <a:rPr lang="en-US" dirty="0" smtClean="0"/>
-              <a:t>SW2</a:t>
-            </a:r>
-            <a:endParaRPr lang="en-US" dirty="0"/>
-          </a:p>
-        </p:txBody>
-      </p:sp>
-      <p:sp>
-        <p:nvSpPr>
-          <p:cNvPr id="68" name="TextBox 67"/>
-          <p:cNvSpPr txBox="1"/>
-          <p:nvPr/>
-        </p:nvSpPr>
-        <p:spPr>
-          <a:xfrm>
-            <a:off x="5903332" y="3281145"/>
-            <a:ext cx="613081" cy="369332"/>
-          </a:xfrm>
-          <a:prstGeom prst="rect">
-            <a:avLst/>
-          </a:prstGeom>
-          <a:noFill/>
-        </p:spPr>
-        <p:txBody>
-          <a:bodyPr wrap="none" rtlCol="0">
-            <a:spAutoFit/>
-          </a:bodyPr>
-          <a:lstStyle/>
-          <a:p>
-            <a:r>
-              <a:rPr lang="en-US" dirty="0" smtClean="0"/>
-              <a:t>SW1</a:t>
-            </a:r>
-            <a:endParaRPr lang="en-US" dirty="0"/>
-          </a:p>
-        </p:txBody>
-      </p:sp>
-      <p:sp>
-        <p:nvSpPr>
-          <p:cNvPr id="69" name="TextBox 68"/>
-          <p:cNvSpPr txBox="1"/>
-          <p:nvPr/>
-        </p:nvSpPr>
-        <p:spPr>
-          <a:xfrm>
-            <a:off x="7671924" y="3281145"/>
-            <a:ext cx="613081" cy="369332"/>
-          </a:xfrm>
-          <a:prstGeom prst="rect">
-            <a:avLst/>
-          </a:prstGeom>
-          <a:noFill/>
-        </p:spPr>
-        <p:txBody>
-          <a:bodyPr wrap="none" rtlCol="0">
-            <a:spAutoFit/>
-          </a:bodyPr>
-          <a:lstStyle/>
-          <a:p>
-            <a:r>
-              <a:rPr lang="en-US" dirty="0" smtClean="0"/>
-              <a:t>SW2</a:t>
-            </a:r>
-            <a:endParaRPr lang="en-US" dirty="0"/>
-          </a:p>
-        </p:txBody>
-      </p:sp>
-      <p:sp>
-        <p:nvSpPr>
-          <p:cNvPr id="86" name="Title 1"/>
-          <p:cNvSpPr>
-            <a:spLocks noGrp="1"/>
-          </p:cNvSpPr>
-          <p:nvPr>
-            <p:ph type="title"/>
-          </p:nvPr>
-        </p:nvSpPr>
-        <p:spPr>
-          <a:xfrm>
-            <a:off x="457200" y="274638"/>
-            <a:ext cx="8229600" cy="1143000"/>
-          </a:xfrm>
-        </p:spPr>
-        <p:txBody>
-          <a:bodyPr>
-            <a:normAutofit/>
-          </a:bodyPr>
-          <a:lstStyle/>
-          <a:p>
-            <a:r>
-              <a:rPr lang="en-US" sz="4000" b="1" dirty="0" smtClean="0">
-                <a:latin typeface="Times New Roman"/>
-                <a:cs typeface="Times New Roman"/>
-              </a:rPr>
-              <a:t>Project Overview</a:t>
-            </a:r>
-            <a:endParaRPr lang="en-US" sz="4000" b="1" dirty="0">
-              <a:latin typeface="Times New Roman"/>
-              <a:cs typeface="Times New Roman"/>
-            </a:endParaRPr>
-          </a:p>
-        </p:txBody>
-      </p:sp>
       <p:cxnSp>
         <p:nvCxnSpPr>
-          <p:cNvPr id="3" name="Straight Arrow Connector 2"/>
+          <p:cNvPr id="103" name="Straight Arrow Connector 102"/>
           <p:cNvCxnSpPr>
-            <a:stCxn id="4" idx="3"/>
-            <a:endCxn id="5" idx="1"/>
+            <a:endCxn id="100" idx="0"/>
           </p:cNvCxnSpPr>
           <p:nvPr/>
         </p:nvCxnSpPr>
         <p:spPr>
           <a:xfrm>
-            <a:off x="2863883" y="2304950"/>
-            <a:ext cx="3316464" cy="15458"/>
+            <a:off x="7522537" y="2836128"/>
+            <a:ext cx="525665" cy="827478"/>
           </a:xfrm>
           <a:prstGeom prst="straightConnector1">
             <a:avLst/>
@@ -9285,13 +9706,351 @@
       </p:cxnSp>
       <p:sp>
         <p:nvSpPr>
-          <p:cNvPr id="7" name="TextBox 6"/>
+          <p:cNvPr id="104" name="Rectangle 103"/>
+          <p:cNvSpPr/>
+          <p:nvPr/>
+        </p:nvSpPr>
+        <p:spPr>
+          <a:xfrm>
+            <a:off x="5899765" y="4952240"/>
+            <a:ext cx="548640" cy="448056"/>
+          </a:xfrm>
+          <a:prstGeom prst="rect">
+            <a:avLst/>
+          </a:prstGeom>
+          <a:solidFill>
+            <a:srgbClr val="C3D69B"/>
+          </a:solidFill>
+          <a:ln>
+            <a:solidFill>
+              <a:schemeClr val="tx1"/>
+            </a:solidFill>
+          </a:ln>
+        </p:spPr>
+        <p:style>
+          <a:lnRef idx="1">
+            <a:schemeClr val="accent1"/>
+          </a:lnRef>
+          <a:fillRef idx="3">
+            <a:schemeClr val="accent1"/>
+          </a:fillRef>
+          <a:effectRef idx="2">
+            <a:schemeClr val="accent1"/>
+          </a:effectRef>
+          <a:fontRef idx="minor">
+            <a:schemeClr val="lt1"/>
+          </a:fontRef>
+        </p:style>
+        <p:txBody>
+          <a:bodyPr rtlCol="0" anchor="ctr"/>
+          <a:lstStyle/>
+          <a:p>
+            <a:pPr algn="ctr"/>
+            <a:endParaRPr lang="en-US"/>
+          </a:p>
+        </p:txBody>
+      </p:sp>
+      <p:cxnSp>
+        <p:nvCxnSpPr>
+          <p:cNvPr id="107" name="Straight Arrow Connector 106"/>
+          <p:cNvCxnSpPr>
+            <a:endCxn id="104" idx="0"/>
+          </p:cNvCxnSpPr>
+          <p:nvPr/>
+        </p:nvCxnSpPr>
+        <p:spPr>
+          <a:xfrm flipH="1">
+            <a:off x="6174085" y="4077004"/>
+            <a:ext cx="103858" cy="875236"/>
+          </a:xfrm>
+          <a:prstGeom prst="straightConnector1">
+            <a:avLst/>
+          </a:prstGeom>
+          <a:ln>
+            <a:solidFill>
+              <a:schemeClr val="tx1"/>
+            </a:solidFill>
+            <a:headEnd type="arrow"/>
+            <a:tailEnd type="arrow"/>
+          </a:ln>
+        </p:spPr>
+        <p:style>
+          <a:lnRef idx="2">
+            <a:schemeClr val="accent1"/>
+          </a:lnRef>
+          <a:fillRef idx="0">
+            <a:schemeClr val="accent1"/>
+          </a:fillRef>
+          <a:effectRef idx="1">
+            <a:schemeClr val="accent1"/>
+          </a:effectRef>
+          <a:fontRef idx="minor">
+            <a:schemeClr val="tx1"/>
+          </a:fontRef>
+        </p:style>
+      </p:cxnSp>
+      <p:sp>
+        <p:nvSpPr>
+          <p:cNvPr id="110" name="TextBox 109"/>
           <p:cNvSpPr txBox="1"/>
           <p:nvPr/>
         </p:nvSpPr>
         <p:spPr>
           <a:xfrm>
-            <a:off x="3388579" y="6108758"/>
+            <a:off x="5945485" y="5015744"/>
+            <a:ext cx="457200" cy="369332"/>
+          </a:xfrm>
+          <a:prstGeom prst="rect">
+            <a:avLst/>
+          </a:prstGeom>
+          <a:noFill/>
+        </p:spPr>
+        <p:txBody>
+          <a:bodyPr wrap="square" rtlCol="0">
+            <a:spAutoFit/>
+          </a:bodyPr>
+          <a:lstStyle/>
+          <a:p>
+            <a:r>
+              <a:rPr lang="en-US" dirty="0" smtClean="0"/>
+              <a:t>h1</a:t>
+            </a:r>
+            <a:endParaRPr lang="en-US" dirty="0"/>
+          </a:p>
+        </p:txBody>
+      </p:sp>
+      <p:sp>
+        <p:nvSpPr>
+          <p:cNvPr id="113" name="TextBox 112"/>
+          <p:cNvSpPr txBox="1"/>
+          <p:nvPr/>
+        </p:nvSpPr>
+        <p:spPr>
+          <a:xfrm>
+            <a:off x="5963373" y="3743883"/>
+            <a:ext cx="618228" cy="369332"/>
+          </a:xfrm>
+          <a:prstGeom prst="rect">
+            <a:avLst/>
+          </a:prstGeom>
+          <a:noFill/>
+        </p:spPr>
+        <p:txBody>
+          <a:bodyPr wrap="square" rtlCol="0">
+            <a:spAutoFit/>
+          </a:bodyPr>
+          <a:lstStyle/>
+          <a:p>
+            <a:r>
+              <a:rPr lang="en-US" dirty="0" smtClean="0"/>
+              <a:t>SW1</a:t>
+            </a:r>
+            <a:endParaRPr lang="en-US" dirty="0"/>
+          </a:p>
+        </p:txBody>
+      </p:sp>
+      <p:sp>
+        <p:nvSpPr>
+          <p:cNvPr id="114" name="TextBox 113"/>
+          <p:cNvSpPr txBox="1"/>
+          <p:nvPr/>
+        </p:nvSpPr>
+        <p:spPr>
+          <a:xfrm>
+            <a:off x="7752776" y="3717327"/>
+            <a:ext cx="724443" cy="369332"/>
+          </a:xfrm>
+          <a:prstGeom prst="rect">
+            <a:avLst/>
+          </a:prstGeom>
+          <a:noFill/>
+        </p:spPr>
+        <p:txBody>
+          <a:bodyPr wrap="square" rtlCol="0">
+            <a:spAutoFit/>
+          </a:bodyPr>
+          <a:lstStyle/>
+          <a:p>
+            <a:r>
+              <a:rPr lang="en-US" dirty="0" smtClean="0"/>
+              <a:t>SW2</a:t>
+            </a:r>
+            <a:endParaRPr lang="en-US" dirty="0"/>
+          </a:p>
+        </p:txBody>
+      </p:sp>
+      <p:sp>
+        <p:nvSpPr>
+          <p:cNvPr id="117" name="Rounded Rectangle 116"/>
+          <p:cNvSpPr/>
+          <p:nvPr/>
+        </p:nvSpPr>
+        <p:spPr>
+          <a:xfrm>
+            <a:off x="1848677" y="1151224"/>
+            <a:ext cx="2220536" cy="313916"/>
+          </a:xfrm>
+          <a:prstGeom prst="roundRect">
+            <a:avLst/>
+          </a:prstGeom>
+          <a:solidFill>
+            <a:srgbClr val="7F7F7F"/>
+          </a:solidFill>
+          <a:ln>
+            <a:noFill/>
+          </a:ln>
+        </p:spPr>
+        <p:style>
+          <a:lnRef idx="1">
+            <a:schemeClr val="accent1"/>
+          </a:lnRef>
+          <a:fillRef idx="3">
+            <a:schemeClr val="accent1"/>
+          </a:fillRef>
+          <a:effectRef idx="2">
+            <a:schemeClr val="accent1"/>
+          </a:effectRef>
+          <a:fontRef idx="minor">
+            <a:schemeClr val="lt1"/>
+          </a:fontRef>
+        </p:style>
+        <p:txBody>
+          <a:bodyPr rtlCol="0" anchor="ctr"/>
+          <a:lstStyle/>
+          <a:p>
+            <a:pPr algn="ctr"/>
+            <a:r>
+              <a:rPr lang="en-US" dirty="0" smtClean="0"/>
+              <a:t>Controller 1</a:t>
+            </a:r>
+            <a:endParaRPr lang="en-US" dirty="0"/>
+          </a:p>
+        </p:txBody>
+      </p:sp>
+      <p:cxnSp>
+        <p:nvCxnSpPr>
+          <p:cNvPr id="121" name="Straight Arrow Connector 120"/>
+          <p:cNvCxnSpPr>
+            <a:stCxn id="117" idx="2"/>
+          </p:cNvCxnSpPr>
+          <p:nvPr/>
+        </p:nvCxnSpPr>
+        <p:spPr>
+          <a:xfrm>
+            <a:off x="2958945" y="1465140"/>
+            <a:ext cx="3489460" cy="1025306"/>
+          </a:xfrm>
+          <a:prstGeom prst="straightConnector1">
+            <a:avLst/>
+          </a:prstGeom>
+          <a:ln>
+            <a:solidFill>
+              <a:schemeClr val="accent2"/>
+            </a:solidFill>
+            <a:headEnd type="arrow"/>
+            <a:tailEnd type="arrow"/>
+          </a:ln>
+        </p:spPr>
+        <p:style>
+          <a:lnRef idx="2">
+            <a:schemeClr val="accent1"/>
+          </a:lnRef>
+          <a:fillRef idx="0">
+            <a:schemeClr val="accent1"/>
+          </a:fillRef>
+          <a:effectRef idx="1">
+            <a:schemeClr val="accent1"/>
+          </a:effectRef>
+          <a:fontRef idx="minor">
+            <a:schemeClr val="tx1"/>
+          </a:fontRef>
+        </p:style>
+      </p:cxnSp>
+      <p:cxnSp>
+        <p:nvCxnSpPr>
+          <p:cNvPr id="122" name="Straight Arrow Connector 121"/>
+          <p:cNvCxnSpPr/>
+          <p:nvPr/>
+        </p:nvCxnSpPr>
+        <p:spPr>
+          <a:xfrm flipH="1">
+            <a:off x="1347158" y="1465140"/>
+            <a:ext cx="682226" cy="1033850"/>
+          </a:xfrm>
+          <a:prstGeom prst="straightConnector1">
+            <a:avLst/>
+          </a:prstGeom>
+          <a:ln>
+            <a:solidFill>
+              <a:schemeClr val="accent2"/>
+            </a:solidFill>
+            <a:headEnd type="arrow"/>
+            <a:tailEnd type="arrow"/>
+          </a:ln>
+        </p:spPr>
+        <p:style>
+          <a:lnRef idx="2">
+            <a:schemeClr val="accent1"/>
+          </a:lnRef>
+          <a:fillRef idx="0">
+            <a:schemeClr val="accent1"/>
+          </a:fillRef>
+          <a:effectRef idx="1">
+            <a:schemeClr val="accent1"/>
+          </a:effectRef>
+          <a:fontRef idx="minor">
+            <a:schemeClr val="tx1"/>
+          </a:fontRef>
+        </p:style>
+      </p:cxnSp>
+      <p:cxnSp>
+        <p:nvCxnSpPr>
+          <p:cNvPr id="52" name="Straight Arrow Connector 51"/>
+          <p:cNvCxnSpPr>
+            <a:endCxn id="98" idx="1"/>
+          </p:cNvCxnSpPr>
+          <p:nvPr/>
+        </p:nvCxnSpPr>
+        <p:spPr>
+          <a:xfrm>
+            <a:off x="2540304" y="2661673"/>
+            <a:ext cx="3826300" cy="5886"/>
+          </a:xfrm>
+          <a:prstGeom prst="straightConnector1">
+            <a:avLst/>
+          </a:prstGeom>
+          <a:ln>
+            <a:solidFill>
+              <a:schemeClr val="tx1"/>
+            </a:solidFill>
+            <a:headEnd type="arrow"/>
+            <a:tailEnd type="arrow"/>
+          </a:ln>
+        </p:spPr>
+        <p:style>
+          <a:lnRef idx="2">
+            <a:schemeClr val="accent1"/>
+          </a:lnRef>
+          <a:fillRef idx="0">
+            <a:schemeClr val="accent1"/>
+          </a:fillRef>
+          <a:effectRef idx="1">
+            <a:schemeClr val="accent1"/>
+          </a:effectRef>
+          <a:fontRef idx="minor">
+            <a:schemeClr val="tx1"/>
+          </a:fontRef>
+        </p:style>
+      </p:cxnSp>
+      <p:sp>
+        <p:nvSpPr>
+          <p:cNvPr id="55" name="TextBox 54"/>
+          <p:cNvSpPr txBox="1"/>
+          <p:nvPr/>
+        </p:nvSpPr>
+        <p:spPr>
+          <a:xfrm>
+            <a:off x="3196238" y="6293424"/>
             <a:ext cx="2608381" cy="369332"/>
           </a:xfrm>
           <a:prstGeom prst="rect">
@@ -9322,7 +10081,7 @@
     </p:spTree>
     <p:extLst>
       <p:ext uri="{BB962C8B-B14F-4D97-AF65-F5344CB8AC3E}">
-        <p14:creationId xmlns:p14="http://schemas.microsoft.com/office/powerpoint/2010/main" val="2781161853"/>
+        <p14:creationId xmlns:p14="http://schemas.microsoft.com/office/powerpoint/2010/main" val="1758785292"/>
       </p:ext>
     </p:extLst>
   </p:cSld>
@@ -9358,14 +10117,14 @@
       </p:grpSpPr>
       <p:sp>
         <p:nvSpPr>
-          <p:cNvPr id="72" name="Rounded Rectangle 71"/>
+          <p:cNvPr id="71" name="Rounded Rectangle 70"/>
           <p:cNvSpPr/>
           <p:nvPr/>
         </p:nvSpPr>
         <p:spPr>
           <a:xfrm>
-            <a:off x="5194247" y="1620042"/>
-            <a:ext cx="3539153" cy="4137987"/>
+            <a:off x="404510" y="2325834"/>
+            <a:ext cx="2947352" cy="3432194"/>
           </a:xfrm>
           <a:prstGeom prst="roundRect">
             <a:avLst/>
@@ -9397,31 +10156,24 @@
           <a:lstStyle/>
           <a:p>
             <a:pPr algn="ctr"/>
-            <a:endParaRPr lang="en-US"/>
-          </a:p>
-        </p:txBody>
-      </p:sp>
-      <p:sp>
-        <p:nvSpPr>
-          <p:cNvPr id="71" name="Rounded Rectangle 70"/>
+            <a:endParaRPr lang="en-US" dirty="0"/>
+          </a:p>
+        </p:txBody>
+      </p:sp>
+      <p:sp>
+        <p:nvSpPr>
+          <p:cNvPr id="4" name="Rounded Rectangle 3"/>
           <p:cNvSpPr/>
           <p:nvPr/>
         </p:nvSpPr>
         <p:spPr>
           <a:xfrm>
-            <a:off x="404509" y="1620042"/>
-            <a:ext cx="3539153" cy="4137987"/>
+            <a:off x="1042859" y="2490446"/>
+            <a:ext cx="1497445" cy="337138"/>
           </a:xfrm>
           <a:prstGeom prst="roundRect">
             <a:avLst/>
           </a:prstGeom>
-          <a:solidFill>
-            <a:schemeClr val="tx2">
-              <a:lumMod val="40000"/>
-              <a:lumOff val="60000"/>
-              <a:alpha val="15000"/>
-            </a:schemeClr>
-          </a:solidFill>
         </p:spPr>
         <p:style>
           <a:lnRef idx="1">
@@ -9442,44 +10194,6 @@
           <a:lstStyle/>
           <a:p>
             <a:pPr algn="ctr"/>
-            <a:endParaRPr lang="en-US"/>
-          </a:p>
-        </p:txBody>
-      </p:sp>
-      <p:sp>
-        <p:nvSpPr>
-          <p:cNvPr id="4" name="Rounded Rectangle 3"/>
-          <p:cNvSpPr/>
-          <p:nvPr/>
-        </p:nvSpPr>
-        <p:spPr>
-          <a:xfrm>
-            <a:off x="1065765" y="2119454"/>
-            <a:ext cx="1798118" cy="370992"/>
-          </a:xfrm>
-          <a:prstGeom prst="roundRect">
-            <a:avLst/>
-          </a:prstGeom>
-        </p:spPr>
-        <p:style>
-          <a:lnRef idx="1">
-            <a:schemeClr val="accent1"/>
-          </a:lnRef>
-          <a:fillRef idx="3">
-            <a:schemeClr val="accent1"/>
-          </a:fillRef>
-          <a:effectRef idx="2">
-            <a:schemeClr val="accent1"/>
-          </a:effectRef>
-          <a:fontRef idx="minor">
-            <a:schemeClr val="lt1"/>
-          </a:fontRef>
-        </p:style>
-        <p:txBody>
-          <a:bodyPr rtlCol="0" anchor="ctr"/>
-          <a:lstStyle/>
-          <a:p>
-            <a:pPr algn="ctr"/>
             <a:r>
               <a:rPr lang="en-US" dirty="0" smtClean="0"/>
               <a:t>OVX 1</a:t>
@@ -9490,56 +10204,14 @@
       </p:sp>
       <p:sp>
         <p:nvSpPr>
-          <p:cNvPr id="5" name="Rounded Rectangle 4"/>
-          <p:cNvSpPr/>
-          <p:nvPr/>
-        </p:nvSpPr>
-        <p:spPr>
-          <a:xfrm>
-            <a:off x="6180347" y="2134912"/>
-            <a:ext cx="1798118" cy="370992"/>
-          </a:xfrm>
-          <a:prstGeom prst="roundRect">
-            <a:avLst/>
-          </a:prstGeom>
-        </p:spPr>
-        <p:style>
-          <a:lnRef idx="1">
-            <a:schemeClr val="accent1"/>
-          </a:lnRef>
-          <a:fillRef idx="3">
-            <a:schemeClr val="accent1"/>
-          </a:fillRef>
-          <a:effectRef idx="2">
-            <a:schemeClr val="accent1"/>
-          </a:effectRef>
-          <a:fontRef idx="minor">
-            <a:schemeClr val="lt1"/>
-          </a:fontRef>
-        </p:style>
-        <p:txBody>
-          <a:bodyPr rtlCol="0" anchor="ctr"/>
-          <a:lstStyle/>
-          <a:p>
-            <a:pPr algn="ctr"/>
-            <a:r>
-              <a:rPr lang="en-US" dirty="0" smtClean="0"/>
-              <a:t>OVX 2</a:t>
-            </a:r>
-            <a:endParaRPr lang="en-US" dirty="0"/>
-          </a:p>
-        </p:txBody>
-      </p:sp>
-      <p:sp>
-        <p:nvSpPr>
           <p:cNvPr id="6" name="Rounded Rectangle 5"/>
           <p:cNvSpPr/>
           <p:nvPr/>
         </p:nvSpPr>
         <p:spPr>
           <a:xfrm>
-            <a:off x="608565" y="3289506"/>
-            <a:ext cx="914400" cy="556488"/>
+            <a:off x="585660" y="3677425"/>
+            <a:ext cx="761498" cy="441300"/>
           </a:xfrm>
           <a:prstGeom prst="roundRect">
             <a:avLst/>
@@ -9576,102 +10248,14 @@
       </p:sp>
       <p:sp>
         <p:nvSpPr>
-          <p:cNvPr id="18" name="Rounded Rectangle 17"/>
-          <p:cNvSpPr/>
-          <p:nvPr/>
-        </p:nvSpPr>
-        <p:spPr>
-          <a:xfrm>
-            <a:off x="7521265" y="3169211"/>
-            <a:ext cx="914400" cy="630013"/>
-          </a:xfrm>
-          <a:prstGeom prst="roundRect">
-            <a:avLst/>
-          </a:prstGeom>
-          <a:noFill/>
-          <a:ln>
-            <a:solidFill>
-              <a:schemeClr val="tx1"/>
-            </a:solidFill>
-          </a:ln>
-        </p:spPr>
-        <p:style>
-          <a:lnRef idx="1">
-            <a:schemeClr val="accent1"/>
-          </a:lnRef>
-          <a:fillRef idx="3">
-            <a:schemeClr val="accent1"/>
-          </a:fillRef>
-          <a:effectRef idx="2">
-            <a:schemeClr val="accent1"/>
-          </a:effectRef>
-          <a:fontRef idx="minor">
-            <a:schemeClr val="lt1"/>
-          </a:fontRef>
-        </p:style>
-        <p:txBody>
-          <a:bodyPr rtlCol="0" anchor="ctr"/>
-          <a:lstStyle/>
-          <a:p>
-            <a:pPr algn="ctr"/>
-            <a:endParaRPr lang="en-US"/>
-          </a:p>
-        </p:txBody>
-      </p:sp>
-      <p:sp>
-        <p:nvSpPr>
-          <p:cNvPr id="19" name="Rounded Rectangle 18"/>
-          <p:cNvSpPr/>
-          <p:nvPr/>
-        </p:nvSpPr>
-        <p:spPr>
-          <a:xfrm>
-            <a:off x="5742128" y="3184669"/>
-            <a:ext cx="935489" cy="598106"/>
-          </a:xfrm>
-          <a:prstGeom prst="roundRect">
-            <a:avLst/>
-          </a:prstGeom>
-          <a:noFill/>
-          <a:ln>
-            <a:solidFill>
-              <a:schemeClr val="tx1"/>
-            </a:solidFill>
-          </a:ln>
-        </p:spPr>
-        <p:style>
-          <a:lnRef idx="1">
-            <a:schemeClr val="accent1"/>
-          </a:lnRef>
-          <a:fillRef idx="3">
-            <a:schemeClr val="accent1"/>
-          </a:fillRef>
-          <a:effectRef idx="2">
-            <a:schemeClr val="accent1"/>
-          </a:effectRef>
-          <a:fontRef idx="minor">
-            <a:schemeClr val="lt1"/>
-          </a:fontRef>
-        </p:style>
-        <p:txBody>
-          <a:bodyPr rtlCol="0" anchor="ctr"/>
-          <a:lstStyle/>
-          <a:p>
-            <a:pPr algn="ctr"/>
-            <a:endParaRPr lang="en-US"/>
-          </a:p>
-        </p:txBody>
-      </p:sp>
-      <p:sp>
-        <p:nvSpPr>
           <p:cNvPr id="20" name="Rounded Rectangle 19"/>
           <p:cNvSpPr/>
           <p:nvPr/>
         </p:nvSpPr>
         <p:spPr>
           <a:xfrm>
-            <a:off x="2366613" y="3263346"/>
-            <a:ext cx="914400" cy="598106"/>
+            <a:off x="2343708" y="3655062"/>
+            <a:ext cx="761498" cy="449609"/>
           </a:xfrm>
           <a:prstGeom prst="roundRect">
             <a:avLst/>
@@ -9717,45 +10301,8 @@
         </p:nvCxnSpPr>
         <p:spPr>
           <a:xfrm flipV="1">
-            <a:off x="1522965" y="3562399"/>
-            <a:ext cx="843648" cy="5351"/>
-          </a:xfrm>
-          <a:prstGeom prst="straightConnector1">
-            <a:avLst/>
-          </a:prstGeom>
-          <a:ln>
-            <a:solidFill>
-              <a:schemeClr val="tx1"/>
-            </a:solidFill>
-            <a:headEnd type="arrow"/>
-            <a:tailEnd type="arrow"/>
-          </a:ln>
-        </p:spPr>
-        <p:style>
-          <a:lnRef idx="2">
-            <a:schemeClr val="accent1"/>
-          </a:lnRef>
-          <a:fillRef idx="0">
-            <a:schemeClr val="accent1"/>
-          </a:fillRef>
-          <a:effectRef idx="1">
-            <a:schemeClr val="accent1"/>
-          </a:effectRef>
-          <a:fontRef idx="minor">
-            <a:schemeClr val="tx1"/>
-          </a:fontRef>
-        </p:style>
-      </p:cxnSp>
-      <p:cxnSp>
-        <p:nvCxnSpPr>
-          <p:cNvPr id="23" name="Straight Arrow Connector 22"/>
-          <p:cNvCxnSpPr/>
-          <p:nvPr/>
-        </p:nvCxnSpPr>
-        <p:spPr>
-          <a:xfrm flipV="1">
-            <a:off x="6677617" y="3510278"/>
-            <a:ext cx="843648" cy="5351"/>
+            <a:off x="1347158" y="3879867"/>
+            <a:ext cx="996550" cy="18208"/>
           </a:xfrm>
           <a:prstGeom prst="straightConnector1">
             <a:avLst/>
@@ -9793,8 +10340,8 @@
         </p:nvCxnSpPr>
         <p:spPr>
           <a:xfrm flipV="1">
-            <a:off x="1065765" y="2490446"/>
-            <a:ext cx="457200" cy="799060"/>
+            <a:off x="966409" y="2827585"/>
+            <a:ext cx="533650" cy="849840"/>
           </a:xfrm>
           <a:prstGeom prst="straightConnector1">
             <a:avLst/>
@@ -9832,8 +10379,494 @@
         </p:nvCxnSpPr>
         <p:spPr>
           <a:xfrm>
-            <a:off x="2221698" y="2490446"/>
-            <a:ext cx="602115" cy="772900"/>
+            <a:off x="2198792" y="2827584"/>
+            <a:ext cx="525665" cy="827478"/>
+          </a:xfrm>
+          <a:prstGeom prst="straightConnector1">
+            <a:avLst/>
+          </a:prstGeom>
+          <a:ln>
+            <a:solidFill>
+              <a:schemeClr val="tx1"/>
+            </a:solidFill>
+            <a:headEnd type="arrow"/>
+            <a:tailEnd type="arrow"/>
+          </a:ln>
+        </p:spPr>
+        <p:style>
+          <a:lnRef idx="2">
+            <a:schemeClr val="accent1"/>
+          </a:lnRef>
+          <a:fillRef idx="0">
+            <a:schemeClr val="accent1"/>
+          </a:fillRef>
+          <a:effectRef idx="1">
+            <a:schemeClr val="accent1"/>
+          </a:effectRef>
+          <a:fontRef idx="minor">
+            <a:schemeClr val="tx1"/>
+          </a:fontRef>
+        </p:style>
+      </p:cxnSp>
+      <p:sp>
+        <p:nvSpPr>
+          <p:cNvPr id="37" name="Rectangle 36"/>
+          <p:cNvSpPr/>
+          <p:nvPr/>
+        </p:nvSpPr>
+        <p:spPr>
+          <a:xfrm>
+            <a:off x="2047734" y="4950879"/>
+            <a:ext cx="547674" cy="440873"/>
+          </a:xfrm>
+          <a:prstGeom prst="rect">
+            <a:avLst/>
+          </a:prstGeom>
+          <a:solidFill>
+            <a:srgbClr val="B9CDE5"/>
+          </a:solidFill>
+          <a:ln>
+            <a:solidFill>
+              <a:schemeClr val="tx1"/>
+            </a:solidFill>
+          </a:ln>
+        </p:spPr>
+        <p:style>
+          <a:lnRef idx="1">
+            <a:schemeClr val="accent1"/>
+          </a:lnRef>
+          <a:fillRef idx="3">
+            <a:schemeClr val="accent1"/>
+          </a:fillRef>
+          <a:effectRef idx="2">
+            <a:schemeClr val="accent1"/>
+          </a:effectRef>
+          <a:fontRef idx="minor">
+            <a:schemeClr val="lt1"/>
+          </a:fontRef>
+        </p:style>
+        <p:txBody>
+          <a:bodyPr rtlCol="0" anchor="ctr"/>
+          <a:lstStyle/>
+          <a:p>
+            <a:pPr algn="ctr"/>
+            <a:endParaRPr lang="en-US"/>
+          </a:p>
+        </p:txBody>
+      </p:sp>
+      <p:cxnSp>
+        <p:nvCxnSpPr>
+          <p:cNvPr id="48" name="Straight Arrow Connector 47"/>
+          <p:cNvCxnSpPr>
+            <a:endCxn id="37" idx="0"/>
+          </p:cNvCxnSpPr>
+          <p:nvPr/>
+        </p:nvCxnSpPr>
+        <p:spPr>
+          <a:xfrm flipH="1">
+            <a:off x="2321571" y="4075643"/>
+            <a:ext cx="292146" cy="875236"/>
+          </a:xfrm>
+          <a:prstGeom prst="straightConnector1">
+            <a:avLst/>
+          </a:prstGeom>
+          <a:ln>
+            <a:solidFill>
+              <a:schemeClr val="tx1"/>
+            </a:solidFill>
+            <a:headEnd type="arrow"/>
+            <a:tailEnd type="arrow"/>
+          </a:ln>
+        </p:spPr>
+        <p:style>
+          <a:lnRef idx="2">
+            <a:schemeClr val="accent1"/>
+          </a:lnRef>
+          <a:fillRef idx="0">
+            <a:schemeClr val="accent1"/>
+          </a:fillRef>
+          <a:effectRef idx="1">
+            <a:schemeClr val="accent1"/>
+          </a:effectRef>
+          <a:fontRef idx="minor">
+            <a:schemeClr val="tx1"/>
+          </a:fontRef>
+        </p:style>
+      </p:cxnSp>
+      <p:sp>
+        <p:nvSpPr>
+          <p:cNvPr id="61" name="TextBox 60"/>
+          <p:cNvSpPr txBox="1"/>
+          <p:nvPr/>
+        </p:nvSpPr>
+        <p:spPr>
+          <a:xfrm>
+            <a:off x="2088835" y="5016589"/>
+            <a:ext cx="465472" cy="369332"/>
+          </a:xfrm>
+          <a:prstGeom prst="rect">
+            <a:avLst/>
+          </a:prstGeom>
+          <a:noFill/>
+        </p:spPr>
+        <p:txBody>
+          <a:bodyPr wrap="square" rtlCol="0">
+            <a:spAutoFit/>
+          </a:bodyPr>
+          <a:lstStyle/>
+          <a:p>
+            <a:r>
+              <a:rPr lang="en-US" dirty="0" smtClean="0"/>
+              <a:t>h2</a:t>
+            </a:r>
+            <a:endParaRPr lang="en-US" dirty="0"/>
+          </a:p>
+        </p:txBody>
+      </p:sp>
+      <p:sp>
+        <p:nvSpPr>
+          <p:cNvPr id="66" name="TextBox 65"/>
+          <p:cNvSpPr txBox="1"/>
+          <p:nvPr/>
+        </p:nvSpPr>
+        <p:spPr>
+          <a:xfrm>
+            <a:off x="639628" y="3735339"/>
+            <a:ext cx="618228" cy="369332"/>
+          </a:xfrm>
+          <a:prstGeom prst="rect">
+            <a:avLst/>
+          </a:prstGeom>
+          <a:noFill/>
+        </p:spPr>
+        <p:txBody>
+          <a:bodyPr wrap="square" rtlCol="0">
+            <a:spAutoFit/>
+          </a:bodyPr>
+          <a:lstStyle/>
+          <a:p>
+            <a:r>
+              <a:rPr lang="en-US" dirty="0" smtClean="0"/>
+              <a:t>SW1</a:t>
+            </a:r>
+            <a:endParaRPr lang="en-US" dirty="0"/>
+          </a:p>
+        </p:txBody>
+      </p:sp>
+      <p:sp>
+        <p:nvSpPr>
+          <p:cNvPr id="67" name="TextBox 66"/>
+          <p:cNvSpPr txBox="1"/>
+          <p:nvPr/>
+        </p:nvSpPr>
+        <p:spPr>
+          <a:xfrm>
+            <a:off x="2429031" y="3708783"/>
+            <a:ext cx="724443" cy="369332"/>
+          </a:xfrm>
+          <a:prstGeom prst="rect">
+            <a:avLst/>
+          </a:prstGeom>
+          <a:noFill/>
+        </p:spPr>
+        <p:txBody>
+          <a:bodyPr wrap="square" rtlCol="0">
+            <a:spAutoFit/>
+          </a:bodyPr>
+          <a:lstStyle/>
+          <a:p>
+            <a:r>
+              <a:rPr lang="en-US" dirty="0" smtClean="0"/>
+              <a:t>SW2</a:t>
+            </a:r>
+            <a:endParaRPr lang="en-US" dirty="0"/>
+          </a:p>
+        </p:txBody>
+      </p:sp>
+      <p:sp>
+        <p:nvSpPr>
+          <p:cNvPr id="86" name="Title 1"/>
+          <p:cNvSpPr>
+            <a:spLocks noGrp="1"/>
+          </p:cNvSpPr>
+          <p:nvPr>
+            <p:ph type="title"/>
+          </p:nvPr>
+        </p:nvSpPr>
+        <p:spPr>
+          <a:xfrm>
+            <a:off x="457200" y="274638"/>
+            <a:ext cx="8229600" cy="581497"/>
+          </a:xfrm>
+        </p:spPr>
+        <p:txBody>
+          <a:bodyPr>
+            <a:normAutofit fontScale="90000"/>
+          </a:bodyPr>
+          <a:lstStyle/>
+          <a:p>
+            <a:r>
+              <a:rPr lang="en-US" sz="4000" b="1" dirty="0" smtClean="0">
+                <a:latin typeface="Times New Roman"/>
+                <a:cs typeface="Times New Roman"/>
+              </a:rPr>
+              <a:t>Project Overview</a:t>
+            </a:r>
+            <a:endParaRPr lang="en-US" sz="4000" b="1" dirty="0">
+              <a:latin typeface="Times New Roman"/>
+              <a:cs typeface="Times New Roman"/>
+            </a:endParaRPr>
+          </a:p>
+        </p:txBody>
+      </p:sp>
+      <p:sp>
+        <p:nvSpPr>
+          <p:cNvPr id="88" name="TextBox 87"/>
+          <p:cNvSpPr txBox="1"/>
+          <p:nvPr/>
+        </p:nvSpPr>
+        <p:spPr>
+          <a:xfrm>
+            <a:off x="775661" y="5809111"/>
+            <a:ext cx="2066040" cy="369332"/>
+          </a:xfrm>
+          <a:prstGeom prst="rect">
+            <a:avLst/>
+          </a:prstGeom>
+          <a:noFill/>
+        </p:spPr>
+        <p:txBody>
+          <a:bodyPr wrap="none" rtlCol="0">
+            <a:spAutoFit/>
+          </a:bodyPr>
+          <a:lstStyle/>
+          <a:p>
+            <a:r>
+              <a:rPr lang="en-US" dirty="0" smtClean="0"/>
+              <a:t>Hardware Domain 1</a:t>
+            </a:r>
+            <a:endParaRPr lang="en-US" dirty="0"/>
+          </a:p>
+        </p:txBody>
+      </p:sp>
+      <p:sp>
+        <p:nvSpPr>
+          <p:cNvPr id="89" name="TextBox 88"/>
+          <p:cNvSpPr txBox="1"/>
+          <p:nvPr/>
+        </p:nvSpPr>
+        <p:spPr>
+          <a:xfrm>
+            <a:off x="6203319" y="5809111"/>
+            <a:ext cx="2066040" cy="369332"/>
+          </a:xfrm>
+          <a:prstGeom prst="rect">
+            <a:avLst/>
+          </a:prstGeom>
+          <a:noFill/>
+        </p:spPr>
+        <p:txBody>
+          <a:bodyPr wrap="none" rtlCol="0">
+            <a:spAutoFit/>
+          </a:bodyPr>
+          <a:lstStyle/>
+          <a:p>
+            <a:r>
+              <a:rPr lang="en-US" dirty="0" smtClean="0"/>
+              <a:t>Hardware Domain 2</a:t>
+            </a:r>
+            <a:endParaRPr lang="en-US" dirty="0"/>
+          </a:p>
+        </p:txBody>
+      </p:sp>
+      <p:sp>
+        <p:nvSpPr>
+          <p:cNvPr id="97" name="Rounded Rectangle 96"/>
+          <p:cNvSpPr/>
+          <p:nvPr/>
+        </p:nvSpPr>
+        <p:spPr>
+          <a:xfrm>
+            <a:off x="5728255" y="2334378"/>
+            <a:ext cx="2947352" cy="3432194"/>
+          </a:xfrm>
+          <a:prstGeom prst="roundRect">
+            <a:avLst/>
+          </a:prstGeom>
+          <a:solidFill>
+            <a:schemeClr val="tx2">
+              <a:lumMod val="40000"/>
+              <a:lumOff val="60000"/>
+              <a:alpha val="15000"/>
+            </a:schemeClr>
+          </a:solidFill>
+        </p:spPr>
+        <p:style>
+          <a:lnRef idx="1">
+            <a:schemeClr val="accent1"/>
+          </a:lnRef>
+          <a:fillRef idx="3">
+            <a:schemeClr val="accent1"/>
+          </a:fillRef>
+          <a:effectRef idx="2">
+            <a:schemeClr val="accent1"/>
+          </a:effectRef>
+          <a:fontRef idx="minor">
+            <a:schemeClr val="lt1"/>
+          </a:fontRef>
+        </p:style>
+        <p:txBody>
+          <a:bodyPr rtlCol="0" anchor="ctr"/>
+          <a:lstStyle/>
+          <a:p>
+            <a:pPr algn="ctr"/>
+            <a:endParaRPr lang="en-US" dirty="0"/>
+          </a:p>
+        </p:txBody>
+      </p:sp>
+      <p:sp>
+        <p:nvSpPr>
+          <p:cNvPr id="98" name="Rounded Rectangle 97"/>
+          <p:cNvSpPr/>
+          <p:nvPr/>
+        </p:nvSpPr>
+        <p:spPr>
+          <a:xfrm>
+            <a:off x="6366604" y="2498990"/>
+            <a:ext cx="1497445" cy="337138"/>
+          </a:xfrm>
+          <a:prstGeom prst="roundRect">
+            <a:avLst/>
+          </a:prstGeom>
+        </p:spPr>
+        <p:style>
+          <a:lnRef idx="1">
+            <a:schemeClr val="accent1"/>
+          </a:lnRef>
+          <a:fillRef idx="3">
+            <a:schemeClr val="accent1"/>
+          </a:fillRef>
+          <a:effectRef idx="2">
+            <a:schemeClr val="accent1"/>
+          </a:effectRef>
+          <a:fontRef idx="minor">
+            <a:schemeClr val="lt1"/>
+          </a:fontRef>
+        </p:style>
+        <p:txBody>
+          <a:bodyPr rtlCol="0" anchor="ctr"/>
+          <a:lstStyle/>
+          <a:p>
+            <a:pPr algn="ctr"/>
+            <a:r>
+              <a:rPr lang="en-US" dirty="0" smtClean="0"/>
+              <a:t>OVX 2</a:t>
+            </a:r>
+            <a:endParaRPr lang="en-US" dirty="0"/>
+          </a:p>
+        </p:txBody>
+      </p:sp>
+      <p:sp>
+        <p:nvSpPr>
+          <p:cNvPr id="99" name="Rounded Rectangle 98"/>
+          <p:cNvSpPr/>
+          <p:nvPr/>
+        </p:nvSpPr>
+        <p:spPr>
+          <a:xfrm>
+            <a:off x="5909405" y="3685969"/>
+            <a:ext cx="761498" cy="441300"/>
+          </a:xfrm>
+          <a:prstGeom prst="roundRect">
+            <a:avLst/>
+          </a:prstGeom>
+          <a:noFill/>
+          <a:ln>
+            <a:solidFill>
+              <a:schemeClr val="tx1"/>
+            </a:solidFill>
+          </a:ln>
+        </p:spPr>
+        <p:style>
+          <a:lnRef idx="1">
+            <a:schemeClr val="accent1"/>
+          </a:lnRef>
+          <a:fillRef idx="3">
+            <a:schemeClr val="accent1"/>
+          </a:fillRef>
+          <a:effectRef idx="2">
+            <a:schemeClr val="accent1"/>
+          </a:effectRef>
+          <a:fontRef idx="minor">
+            <a:schemeClr val="lt1"/>
+          </a:fontRef>
+        </p:style>
+        <p:txBody>
+          <a:bodyPr rtlCol="0" anchor="ctr"/>
+          <a:lstStyle/>
+          <a:p>
+            <a:pPr algn="ctr"/>
+            <a:endParaRPr lang="en-US"/>
+          </a:p>
+        </p:txBody>
+      </p:sp>
+      <p:sp>
+        <p:nvSpPr>
+          <p:cNvPr id="100" name="Rounded Rectangle 99"/>
+          <p:cNvSpPr/>
+          <p:nvPr/>
+        </p:nvSpPr>
+        <p:spPr>
+          <a:xfrm>
+            <a:off x="7667453" y="3663606"/>
+            <a:ext cx="761498" cy="449609"/>
+          </a:xfrm>
+          <a:prstGeom prst="roundRect">
+            <a:avLst/>
+          </a:prstGeom>
+          <a:noFill/>
+          <a:ln>
+            <a:solidFill>
+              <a:schemeClr val="tx1"/>
+            </a:solidFill>
+          </a:ln>
+        </p:spPr>
+        <p:style>
+          <a:lnRef idx="1">
+            <a:schemeClr val="accent1"/>
+          </a:lnRef>
+          <a:fillRef idx="3">
+            <a:schemeClr val="accent1"/>
+          </a:fillRef>
+          <a:effectRef idx="2">
+            <a:schemeClr val="accent1"/>
+          </a:effectRef>
+          <a:fontRef idx="minor">
+            <a:schemeClr val="lt1"/>
+          </a:fontRef>
+        </p:style>
+        <p:txBody>
+          <a:bodyPr rtlCol="0" anchor="ctr"/>
+          <a:lstStyle/>
+          <a:p>
+            <a:pPr algn="ctr"/>
+            <a:endParaRPr lang="en-US"/>
+          </a:p>
+        </p:txBody>
+      </p:sp>
+      <p:cxnSp>
+        <p:nvCxnSpPr>
+          <p:cNvPr id="101" name="Straight Arrow Connector 100"/>
+          <p:cNvCxnSpPr>
+            <a:stCxn id="99" idx="3"/>
+            <a:endCxn id="100" idx="1"/>
+          </p:cNvCxnSpPr>
+          <p:nvPr/>
+        </p:nvCxnSpPr>
+        <p:spPr>
+          <a:xfrm flipV="1">
+            <a:off x="6670903" y="3888411"/>
+            <a:ext cx="996550" cy="18208"/>
           </a:xfrm>
           <a:prstGeom prst="straightConnector1">
             <a:avLst/>
@@ -9863,16 +10896,16 @@
       </p:cxnSp>
       <p:cxnSp>
         <p:nvCxnSpPr>
-          <p:cNvPr id="26" name="Straight Arrow Connector 25"/>
+          <p:cNvPr id="102" name="Straight Arrow Connector 101"/>
           <p:cNvCxnSpPr>
-            <a:stCxn id="19" idx="0"/>
+            <a:stCxn id="99" idx="0"/>
           </p:cNvCxnSpPr>
           <p:nvPr/>
         </p:nvCxnSpPr>
         <p:spPr>
           <a:xfrm flipV="1">
-            <a:off x="6209873" y="2505904"/>
-            <a:ext cx="588696" cy="678765"/>
+            <a:off x="6290154" y="2836129"/>
+            <a:ext cx="533650" cy="849840"/>
           </a:xfrm>
           <a:prstGeom prst="straightConnector1">
             <a:avLst/>
@@ -9902,16 +10935,16 @@
       </p:cxnSp>
       <p:cxnSp>
         <p:nvCxnSpPr>
-          <p:cNvPr id="34" name="Straight Arrow Connector 33"/>
+          <p:cNvPr id="103" name="Straight Arrow Connector 102"/>
           <p:cNvCxnSpPr>
-            <a:stCxn id="18" idx="0"/>
+            <a:endCxn id="100" idx="0"/>
           </p:cNvCxnSpPr>
           <p:nvPr/>
         </p:nvCxnSpPr>
         <p:spPr>
-          <a:xfrm flipH="1" flipV="1">
-            <a:off x="7444348" y="2505905"/>
-            <a:ext cx="534117" cy="663306"/>
+          <a:xfrm>
+            <a:off x="7522537" y="2836128"/>
+            <a:ext cx="525665" cy="827478"/>
           </a:xfrm>
           <a:prstGeom prst="straightConnector1">
             <a:avLst/>
@@ -9941,14 +10974,14 @@
       </p:cxnSp>
       <p:sp>
         <p:nvSpPr>
-          <p:cNvPr id="37" name="Rectangle 36"/>
+          <p:cNvPr id="105" name="Rectangle 104"/>
           <p:cNvSpPr/>
           <p:nvPr/>
         </p:nvSpPr>
         <p:spPr>
           <a:xfrm>
-            <a:off x="1988437" y="4659322"/>
-            <a:ext cx="756351" cy="485144"/>
+            <a:off x="7371479" y="4959423"/>
+            <a:ext cx="547674" cy="440873"/>
           </a:xfrm>
           <a:prstGeom prst="rect">
             <a:avLst/>
@@ -9987,63 +11020,14 @@
       </p:sp>
       <p:sp>
         <p:nvSpPr>
-          <p:cNvPr id="39" name="Rectangle 38"/>
+          <p:cNvPr id="106" name="Rectangle 105"/>
           <p:cNvSpPr/>
           <p:nvPr/>
         </p:nvSpPr>
         <p:spPr>
           <a:xfrm>
-            <a:off x="6299441" y="4613741"/>
-            <a:ext cx="756351" cy="485144"/>
-          </a:xfrm>
-          <a:prstGeom prst="rect">
-            <a:avLst/>
-          </a:prstGeom>
-          <a:solidFill>
-            <a:schemeClr val="accent1">
-              <a:lumMod val="40000"/>
-              <a:lumOff val="60000"/>
-            </a:schemeClr>
-          </a:solidFill>
-          <a:ln>
-            <a:solidFill>
-              <a:schemeClr val="tx1"/>
-            </a:solidFill>
-          </a:ln>
-        </p:spPr>
-        <p:style>
-          <a:lnRef idx="1">
-            <a:schemeClr val="accent1"/>
-          </a:lnRef>
-          <a:fillRef idx="3">
-            <a:schemeClr val="accent1"/>
-          </a:fillRef>
-          <a:effectRef idx="2">
-            <a:schemeClr val="accent1"/>
-          </a:effectRef>
-          <a:fontRef idx="minor">
-            <a:schemeClr val="lt1"/>
-          </a:fontRef>
-        </p:style>
-        <p:txBody>
-          <a:bodyPr rtlCol="0" anchor="ctr"/>
-          <a:lstStyle/>
-          <a:p>
-            <a:pPr algn="ctr"/>
-            <a:endParaRPr lang="en-US"/>
-          </a:p>
-        </p:txBody>
-      </p:sp>
-      <p:sp>
-        <p:nvSpPr>
-          <p:cNvPr id="40" name="Rectangle 39"/>
-          <p:cNvSpPr/>
-          <p:nvPr/>
-        </p:nvSpPr>
-        <p:spPr>
-          <a:xfrm>
-            <a:off x="7746089" y="4613741"/>
-            <a:ext cx="756351" cy="485144"/>
+            <a:off x="8009493" y="4966072"/>
+            <a:ext cx="519731" cy="440873"/>
           </a:xfrm>
           <a:prstGeom prst="rect">
             <a:avLst/>
@@ -10082,14 +11066,17 @@
       </p:sp>
       <p:cxnSp>
         <p:nvCxnSpPr>
-          <p:cNvPr id="45" name="Straight Arrow Connector 44"/>
-          <p:cNvCxnSpPr/>
+          <p:cNvPr id="108" name="Straight Arrow Connector 107"/>
+          <p:cNvCxnSpPr>
+            <a:stCxn id="100" idx="2"/>
+            <a:endCxn id="106" idx="0"/>
+          </p:cNvCxnSpPr>
           <p:nvPr/>
         </p:nvCxnSpPr>
         <p:spPr>
           <a:xfrm>
-            <a:off x="8106902" y="3781586"/>
-            <a:ext cx="0" cy="830966"/>
+            <a:off x="8048202" y="4113215"/>
+            <a:ext cx="221157" cy="852857"/>
           </a:xfrm>
           <a:prstGeom prst="straightConnector1">
             <a:avLst/>
@@ -10119,16 +11106,16 @@
       </p:cxnSp>
       <p:cxnSp>
         <p:nvCxnSpPr>
-          <p:cNvPr id="48" name="Straight Arrow Connector 47"/>
+          <p:cNvPr id="109" name="Straight Arrow Connector 108"/>
           <p:cNvCxnSpPr>
-            <a:endCxn id="37" idx="0"/>
+            <a:endCxn id="105" idx="0"/>
           </p:cNvCxnSpPr>
           <p:nvPr/>
         </p:nvCxnSpPr>
         <p:spPr>
           <a:xfrm flipH="1">
-            <a:off x="2366613" y="3828356"/>
-            <a:ext cx="270007" cy="830966"/>
+            <a:off x="7645316" y="4084187"/>
+            <a:ext cx="292146" cy="875236"/>
           </a:xfrm>
           <a:prstGeom prst="straightConnector1">
             <a:avLst/>
@@ -10136,6 +11123,217 @@
           <a:ln>
             <a:solidFill>
               <a:schemeClr val="tx1"/>
+            </a:solidFill>
+            <a:headEnd type="arrow"/>
+            <a:tailEnd type="arrow"/>
+          </a:ln>
+        </p:spPr>
+        <p:style>
+          <a:lnRef idx="2">
+            <a:schemeClr val="accent1"/>
+          </a:lnRef>
+          <a:fillRef idx="0">
+            <a:schemeClr val="accent1"/>
+          </a:fillRef>
+          <a:effectRef idx="1">
+            <a:schemeClr val="accent1"/>
+          </a:effectRef>
+          <a:fontRef idx="minor">
+            <a:schemeClr val="tx1"/>
+          </a:fontRef>
+        </p:style>
+      </p:cxnSp>
+      <p:sp>
+        <p:nvSpPr>
+          <p:cNvPr id="111" name="TextBox 110"/>
+          <p:cNvSpPr txBox="1"/>
+          <p:nvPr/>
+        </p:nvSpPr>
+        <p:spPr>
+          <a:xfrm>
+            <a:off x="7412580" y="5025133"/>
+            <a:ext cx="465472" cy="369332"/>
+          </a:xfrm>
+          <a:prstGeom prst="rect">
+            <a:avLst/>
+          </a:prstGeom>
+          <a:noFill/>
+        </p:spPr>
+        <p:txBody>
+          <a:bodyPr wrap="square" rtlCol="0">
+            <a:spAutoFit/>
+          </a:bodyPr>
+          <a:lstStyle/>
+          <a:p>
+            <a:r>
+              <a:rPr lang="en-US" dirty="0" smtClean="0"/>
+              <a:t>h2</a:t>
+            </a:r>
+            <a:endParaRPr lang="en-US" dirty="0"/>
+          </a:p>
+        </p:txBody>
+      </p:sp>
+      <p:sp>
+        <p:nvSpPr>
+          <p:cNvPr id="112" name="TextBox 111"/>
+          <p:cNvSpPr txBox="1"/>
+          <p:nvPr/>
+        </p:nvSpPr>
+        <p:spPr>
+          <a:xfrm>
+            <a:off x="8029587" y="4992931"/>
+            <a:ext cx="451001" cy="369332"/>
+          </a:xfrm>
+          <a:prstGeom prst="rect">
+            <a:avLst/>
+          </a:prstGeom>
+          <a:noFill/>
+        </p:spPr>
+        <p:txBody>
+          <a:bodyPr wrap="square" rtlCol="0">
+            <a:spAutoFit/>
+          </a:bodyPr>
+          <a:lstStyle/>
+          <a:p>
+            <a:r>
+              <a:rPr lang="en-US" dirty="0" smtClean="0"/>
+              <a:t>h3</a:t>
+            </a:r>
+            <a:endParaRPr lang="en-US" dirty="0"/>
+          </a:p>
+        </p:txBody>
+      </p:sp>
+      <p:sp>
+        <p:nvSpPr>
+          <p:cNvPr id="113" name="TextBox 112"/>
+          <p:cNvSpPr txBox="1"/>
+          <p:nvPr/>
+        </p:nvSpPr>
+        <p:spPr>
+          <a:xfrm>
+            <a:off x="5963373" y="3743883"/>
+            <a:ext cx="618228" cy="369332"/>
+          </a:xfrm>
+          <a:prstGeom prst="rect">
+            <a:avLst/>
+          </a:prstGeom>
+          <a:noFill/>
+        </p:spPr>
+        <p:txBody>
+          <a:bodyPr wrap="square" rtlCol="0">
+            <a:spAutoFit/>
+          </a:bodyPr>
+          <a:lstStyle/>
+          <a:p>
+            <a:r>
+              <a:rPr lang="en-US" dirty="0" smtClean="0"/>
+              <a:t>SW1</a:t>
+            </a:r>
+            <a:endParaRPr lang="en-US" dirty="0"/>
+          </a:p>
+        </p:txBody>
+      </p:sp>
+      <p:sp>
+        <p:nvSpPr>
+          <p:cNvPr id="114" name="TextBox 113"/>
+          <p:cNvSpPr txBox="1"/>
+          <p:nvPr/>
+        </p:nvSpPr>
+        <p:spPr>
+          <a:xfrm>
+            <a:off x="7752776" y="3717327"/>
+            <a:ext cx="724443" cy="369332"/>
+          </a:xfrm>
+          <a:prstGeom prst="rect">
+            <a:avLst/>
+          </a:prstGeom>
+          <a:noFill/>
+        </p:spPr>
+        <p:txBody>
+          <a:bodyPr wrap="square" rtlCol="0">
+            <a:spAutoFit/>
+          </a:bodyPr>
+          <a:lstStyle/>
+          <a:p>
+            <a:r>
+              <a:rPr lang="en-US" dirty="0" smtClean="0"/>
+              <a:t>SW2</a:t>
+            </a:r>
+            <a:endParaRPr lang="en-US" dirty="0"/>
+          </a:p>
+        </p:txBody>
+      </p:sp>
+      <p:sp>
+        <p:nvSpPr>
+          <p:cNvPr id="119" name="Rounded Rectangle 118"/>
+          <p:cNvSpPr/>
+          <p:nvPr/>
+        </p:nvSpPr>
+        <p:spPr>
+          <a:xfrm>
+            <a:off x="4452204" y="1151224"/>
+            <a:ext cx="2220536" cy="313916"/>
+          </a:xfrm>
+          <a:prstGeom prst="roundRect">
+            <a:avLst/>
+          </a:prstGeom>
+          <a:solidFill>
+            <a:schemeClr val="bg1">
+              <a:lumMod val="50000"/>
+            </a:schemeClr>
+          </a:solidFill>
+          <a:ln>
+            <a:noFill/>
+          </a:ln>
+        </p:spPr>
+        <p:style>
+          <a:lnRef idx="1">
+            <a:schemeClr val="accent1"/>
+          </a:lnRef>
+          <a:fillRef idx="3">
+            <a:schemeClr val="accent1"/>
+          </a:fillRef>
+          <a:effectRef idx="2">
+            <a:schemeClr val="accent1"/>
+          </a:effectRef>
+          <a:fontRef idx="minor">
+            <a:schemeClr val="lt1"/>
+          </a:fontRef>
+        </p:style>
+        <p:txBody>
+          <a:bodyPr rtlCol="0" anchor="ctr"/>
+          <a:lstStyle/>
+          <a:p>
+            <a:pPr algn="ctr"/>
+            <a:r>
+              <a:rPr lang="en-US" dirty="0" smtClean="0"/>
+              <a:t>Controller 2</a:t>
+            </a:r>
+            <a:endParaRPr lang="en-US" dirty="0"/>
+          </a:p>
+        </p:txBody>
+      </p:sp>
+      <p:cxnSp>
+        <p:nvCxnSpPr>
+          <p:cNvPr id="124" name="Straight Arrow Connector 123"/>
+          <p:cNvCxnSpPr>
+            <a:stCxn id="119" idx="2"/>
+          </p:cNvCxnSpPr>
+          <p:nvPr/>
+        </p:nvCxnSpPr>
+        <p:spPr>
+          <a:xfrm flipH="1">
+            <a:off x="2429032" y="1465140"/>
+            <a:ext cx="3133440" cy="1025306"/>
+          </a:xfrm>
+          <a:prstGeom prst="straightConnector1">
+            <a:avLst/>
+          </a:prstGeom>
+          <a:ln>
+            <a:solidFill>
+              <a:schemeClr val="accent3">
+                <a:lumMod val="75000"/>
+              </a:schemeClr>
             </a:solidFill>
             <a:headEnd type="arrow"/>
             <a:tailEnd type="arrow"/>
@@ -10158,16 +11356,53 @@
       </p:cxnSp>
       <p:cxnSp>
         <p:nvCxnSpPr>
-          <p:cNvPr id="50" name="Straight Arrow Connector 49"/>
+          <p:cNvPr id="126" name="Straight Arrow Connector 125"/>
+          <p:cNvCxnSpPr/>
+          <p:nvPr/>
+        </p:nvCxnSpPr>
+        <p:spPr>
+          <a:xfrm>
+            <a:off x="6448406" y="1465140"/>
+            <a:ext cx="964174" cy="1033850"/>
+          </a:xfrm>
+          <a:prstGeom prst="straightConnector1">
+            <a:avLst/>
+          </a:prstGeom>
+          <a:ln>
+            <a:solidFill>
+              <a:srgbClr val="77933C"/>
+            </a:solidFill>
+            <a:headEnd type="arrow"/>
+            <a:tailEnd type="arrow"/>
+          </a:ln>
+        </p:spPr>
+        <p:style>
+          <a:lnRef idx="2">
+            <a:schemeClr val="accent1"/>
+          </a:lnRef>
+          <a:fillRef idx="0">
+            <a:schemeClr val="accent1"/>
+          </a:fillRef>
+          <a:effectRef idx="1">
+            <a:schemeClr val="accent1"/>
+          </a:effectRef>
+          <a:fontRef idx="minor">
+            <a:schemeClr val="tx1"/>
+          </a:fontRef>
+        </p:style>
+      </p:cxnSp>
+      <p:cxnSp>
+        <p:nvCxnSpPr>
+          <p:cNvPr id="52" name="Straight Arrow Connector 51"/>
           <p:cNvCxnSpPr>
-            <a:endCxn id="39" idx="0"/>
+            <a:endCxn id="98" idx="1"/>
           </p:cNvCxnSpPr>
           <p:nvPr/>
         </p:nvCxnSpPr>
         <p:spPr>
           <a:xfrm>
-            <a:off x="6273688" y="3781586"/>
-            <a:ext cx="403929" cy="832155"/>
+            <a:off x="2540304" y="2661673"/>
+            <a:ext cx="3826300" cy="5886"/>
           </a:xfrm>
           <a:prstGeom prst="straightConnector1">
             <a:avLst/>
@@ -10197,299 +11432,13 @@
       </p:cxnSp>
       <p:sp>
         <p:nvSpPr>
-          <p:cNvPr id="61" name="TextBox 60"/>
+          <p:cNvPr id="55" name="TextBox 54"/>
           <p:cNvSpPr txBox="1"/>
           <p:nvPr/>
         </p:nvSpPr>
         <p:spPr>
           <a:xfrm>
-            <a:off x="2155144" y="4712150"/>
-            <a:ext cx="422937" cy="369332"/>
-          </a:xfrm>
-          <a:prstGeom prst="rect">
-            <a:avLst/>
-          </a:prstGeom>
-          <a:noFill/>
-        </p:spPr>
-        <p:txBody>
-          <a:bodyPr wrap="none" rtlCol="0">
-            <a:spAutoFit/>
-          </a:bodyPr>
-          <a:lstStyle/>
-          <a:p>
-            <a:r>
-              <a:rPr lang="en-US" dirty="0" smtClean="0"/>
-              <a:t>h2</a:t>
-            </a:r>
-            <a:endParaRPr lang="en-US" dirty="0"/>
-          </a:p>
-        </p:txBody>
-      </p:sp>
-      <p:sp>
-        <p:nvSpPr>
-          <p:cNvPr id="64" name="TextBox 63"/>
-          <p:cNvSpPr txBox="1"/>
-          <p:nvPr/>
-        </p:nvSpPr>
-        <p:spPr>
-          <a:xfrm>
-            <a:off x="6466148" y="4674100"/>
-            <a:ext cx="422937" cy="369332"/>
-          </a:xfrm>
-          <a:prstGeom prst="rect">
-            <a:avLst/>
-          </a:prstGeom>
-          <a:noFill/>
-        </p:spPr>
-        <p:txBody>
-          <a:bodyPr wrap="none" rtlCol="0">
-            <a:spAutoFit/>
-          </a:bodyPr>
-          <a:lstStyle/>
-          <a:p>
-            <a:r>
-              <a:rPr lang="en-US" dirty="0" smtClean="0"/>
-              <a:t>h2</a:t>
-            </a:r>
-            <a:endParaRPr lang="en-US" dirty="0"/>
-          </a:p>
-        </p:txBody>
-      </p:sp>
-      <p:sp>
-        <p:nvSpPr>
-          <p:cNvPr id="65" name="TextBox 64"/>
-          <p:cNvSpPr txBox="1"/>
-          <p:nvPr/>
-        </p:nvSpPr>
-        <p:spPr>
-          <a:xfrm>
-            <a:off x="7942253" y="4665380"/>
-            <a:ext cx="422937" cy="369332"/>
-          </a:xfrm>
-          <a:prstGeom prst="rect">
-            <a:avLst/>
-          </a:prstGeom>
-          <a:noFill/>
-        </p:spPr>
-        <p:txBody>
-          <a:bodyPr wrap="none" rtlCol="0">
-            <a:spAutoFit/>
-          </a:bodyPr>
-          <a:lstStyle/>
-          <a:p>
-            <a:r>
-              <a:rPr lang="en-US" dirty="0" smtClean="0"/>
-              <a:t>h3</a:t>
-            </a:r>
-            <a:endParaRPr lang="en-US" dirty="0"/>
-          </a:p>
-        </p:txBody>
-      </p:sp>
-      <p:sp>
-        <p:nvSpPr>
-          <p:cNvPr id="66" name="TextBox 65"/>
-          <p:cNvSpPr txBox="1"/>
-          <p:nvPr/>
-        </p:nvSpPr>
-        <p:spPr>
-          <a:xfrm>
-            <a:off x="751835" y="3383084"/>
-            <a:ext cx="613081" cy="369332"/>
-          </a:xfrm>
-          <a:prstGeom prst="rect">
-            <a:avLst/>
-          </a:prstGeom>
-          <a:noFill/>
-        </p:spPr>
-        <p:txBody>
-          <a:bodyPr wrap="none" rtlCol="0">
-            <a:spAutoFit/>
-          </a:bodyPr>
-          <a:lstStyle/>
-          <a:p>
-            <a:r>
-              <a:rPr lang="en-US" dirty="0" smtClean="0"/>
-              <a:t>SW1</a:t>
-            </a:r>
-            <a:endParaRPr lang="en-US" dirty="0"/>
-          </a:p>
-        </p:txBody>
-      </p:sp>
-      <p:sp>
-        <p:nvSpPr>
-          <p:cNvPr id="67" name="TextBox 66"/>
-          <p:cNvSpPr txBox="1"/>
-          <p:nvPr/>
-        </p:nvSpPr>
-        <p:spPr>
-          <a:xfrm>
-            <a:off x="2517272" y="3383084"/>
-            <a:ext cx="613081" cy="369332"/>
-          </a:xfrm>
-          <a:prstGeom prst="rect">
-            <a:avLst/>
-          </a:prstGeom>
-          <a:noFill/>
-        </p:spPr>
-        <p:txBody>
-          <a:bodyPr wrap="none" rtlCol="0">
-            <a:spAutoFit/>
-          </a:bodyPr>
-          <a:lstStyle/>
-          <a:p>
-            <a:r>
-              <a:rPr lang="en-US" dirty="0" smtClean="0"/>
-              <a:t>SW2</a:t>
-            </a:r>
-            <a:endParaRPr lang="en-US" dirty="0"/>
-          </a:p>
-        </p:txBody>
-      </p:sp>
-      <p:sp>
-        <p:nvSpPr>
-          <p:cNvPr id="68" name="TextBox 67"/>
-          <p:cNvSpPr txBox="1"/>
-          <p:nvPr/>
-        </p:nvSpPr>
-        <p:spPr>
-          <a:xfrm>
-            <a:off x="5903332" y="3281145"/>
-            <a:ext cx="613081" cy="369332"/>
-          </a:xfrm>
-          <a:prstGeom prst="rect">
-            <a:avLst/>
-          </a:prstGeom>
-          <a:noFill/>
-        </p:spPr>
-        <p:txBody>
-          <a:bodyPr wrap="none" rtlCol="0">
-            <a:spAutoFit/>
-          </a:bodyPr>
-          <a:lstStyle/>
-          <a:p>
-            <a:r>
-              <a:rPr lang="en-US" dirty="0" smtClean="0"/>
-              <a:t>SW1</a:t>
-            </a:r>
-            <a:endParaRPr lang="en-US" dirty="0"/>
-          </a:p>
-        </p:txBody>
-      </p:sp>
-      <p:sp>
-        <p:nvSpPr>
-          <p:cNvPr id="69" name="TextBox 68"/>
-          <p:cNvSpPr txBox="1"/>
-          <p:nvPr/>
-        </p:nvSpPr>
-        <p:spPr>
-          <a:xfrm>
-            <a:off x="7671924" y="3281145"/>
-            <a:ext cx="613081" cy="369332"/>
-          </a:xfrm>
-          <a:prstGeom prst="rect">
-            <a:avLst/>
-          </a:prstGeom>
-          <a:noFill/>
-        </p:spPr>
-        <p:txBody>
-          <a:bodyPr wrap="none" rtlCol="0">
-            <a:spAutoFit/>
-          </a:bodyPr>
-          <a:lstStyle/>
-          <a:p>
-            <a:r>
-              <a:rPr lang="en-US" dirty="0" smtClean="0"/>
-              <a:t>SW2</a:t>
-            </a:r>
-            <a:endParaRPr lang="en-US" dirty="0"/>
-          </a:p>
-        </p:txBody>
-      </p:sp>
-      <p:sp>
-        <p:nvSpPr>
-          <p:cNvPr id="86" name="Title 1"/>
-          <p:cNvSpPr>
-            <a:spLocks noGrp="1"/>
-          </p:cNvSpPr>
-          <p:nvPr>
-            <p:ph type="title"/>
-          </p:nvPr>
-        </p:nvSpPr>
-        <p:spPr>
-          <a:xfrm>
-            <a:off x="457200" y="274638"/>
-            <a:ext cx="8229600" cy="1143000"/>
-          </a:xfrm>
-        </p:spPr>
-        <p:txBody>
-          <a:bodyPr>
-            <a:normAutofit/>
-          </a:bodyPr>
-          <a:lstStyle/>
-          <a:p>
-            <a:r>
-              <a:rPr lang="en-US" sz="4000" b="1" dirty="0" smtClean="0">
-                <a:latin typeface="Times New Roman"/>
-                <a:cs typeface="Times New Roman"/>
-              </a:rPr>
-              <a:t>Project Overview</a:t>
-            </a:r>
-            <a:endParaRPr lang="en-US" sz="4000" b="1" dirty="0">
-              <a:latin typeface="Times New Roman"/>
-              <a:cs typeface="Times New Roman"/>
-            </a:endParaRPr>
-          </a:p>
-        </p:txBody>
-      </p:sp>
-      <p:cxnSp>
-        <p:nvCxnSpPr>
-          <p:cNvPr id="3" name="Straight Arrow Connector 2"/>
-          <p:cNvCxnSpPr>
-            <a:stCxn id="4" idx="3"/>
-            <a:endCxn id="5" idx="1"/>
-          </p:cNvCxnSpPr>
-          <p:nvPr/>
-        </p:nvCxnSpPr>
-        <p:spPr>
-          <a:xfrm>
-            <a:off x="2863883" y="2304950"/>
-            <a:ext cx="3316464" cy="15458"/>
-          </a:xfrm>
-          <a:prstGeom prst="straightConnector1">
-            <a:avLst/>
-          </a:prstGeom>
-          <a:ln>
-            <a:solidFill>
-              <a:schemeClr val="tx1"/>
-            </a:solidFill>
-            <a:headEnd type="arrow"/>
-            <a:tailEnd type="arrow"/>
-          </a:ln>
-        </p:spPr>
-        <p:style>
-          <a:lnRef idx="2">
-            <a:schemeClr val="accent1"/>
-          </a:lnRef>
-          <a:fillRef idx="0">
-            <a:schemeClr val="accent1"/>
-          </a:fillRef>
-          <a:effectRef idx="1">
-            <a:schemeClr val="accent1"/>
-          </a:effectRef>
-          <a:fontRef idx="minor">
-            <a:schemeClr val="tx1"/>
-          </a:fontRef>
-        </p:style>
-      </p:cxnSp>
-      <p:sp>
-        <p:nvSpPr>
-          <p:cNvPr id="7" name="TextBox 6"/>
-          <p:cNvSpPr txBox="1"/>
-          <p:nvPr/>
-        </p:nvSpPr>
-        <p:spPr>
-          <a:xfrm>
-            <a:off x="3388579" y="6108758"/>
+            <a:off x="3196238" y="6293424"/>
             <a:ext cx="2608381" cy="369332"/>
           </a:xfrm>
           <a:prstGeom prst="rect">
@@ -10520,7 +11469,7 @@
     </p:spTree>
     <p:extLst>
       <p:ext uri="{BB962C8B-B14F-4D97-AF65-F5344CB8AC3E}">
-        <p14:creationId xmlns:p14="http://schemas.microsoft.com/office/powerpoint/2010/main" val="388095040"/>
+        <p14:creationId xmlns:p14="http://schemas.microsoft.com/office/powerpoint/2010/main" val="1285957051"/>
       </p:ext>
     </p:extLst>
   </p:cSld>
